--- a/presentationGit.pptx
+++ b/presentationGit.pptx
@@ -4,6 +4,9 @@
   <p:sldMasterIdLst>
     <p:sldMasterId id="2147483648" r:id="rId1"/>
   </p:sldMasterIdLst>
+  <p:notesMasterIdLst>
+    <p:notesMasterId r:id="rId33"/>
+  </p:notesMasterIdLst>
   <p:sldIdLst>
     <p:sldId id="257" r:id="rId2"/>
     <p:sldId id="258" r:id="rId3"/>
@@ -16,6 +19,26 @@
     <p:sldId id="265" r:id="rId10"/>
     <p:sldId id="266" r:id="rId11"/>
     <p:sldId id="267" r:id="rId12"/>
+    <p:sldId id="268" r:id="rId13"/>
+    <p:sldId id="269" r:id="rId14"/>
+    <p:sldId id="270" r:id="rId15"/>
+    <p:sldId id="271" r:id="rId16"/>
+    <p:sldId id="273" r:id="rId17"/>
+    <p:sldId id="274" r:id="rId18"/>
+    <p:sldId id="275" r:id="rId19"/>
+    <p:sldId id="276" r:id="rId20"/>
+    <p:sldId id="277" r:id="rId21"/>
+    <p:sldId id="278" r:id="rId22"/>
+    <p:sldId id="279" r:id="rId23"/>
+    <p:sldId id="280" r:id="rId24"/>
+    <p:sldId id="281" r:id="rId25"/>
+    <p:sldId id="282" r:id="rId26"/>
+    <p:sldId id="283" r:id="rId27"/>
+    <p:sldId id="284" r:id="rId28"/>
+    <p:sldId id="285" r:id="rId29"/>
+    <p:sldId id="286" r:id="rId30"/>
+    <p:sldId id="287" r:id="rId31"/>
+    <p:sldId id="288" r:id="rId32"/>
   </p:sldIdLst>
   <p:sldSz cx="12192000" cy="6858000"/>
   <p:notesSz cx="6858000" cy="9144000"/>
@@ -114,7 +137,1206 @@
       </a:defRPr>
     </a:lvl9pPr>
   </p:defaultTextStyle>
+  <p:extLst>
+    <p:ext uri="{EFAFB233-063F-42B5-8137-9DF3F51BA10A}">
+      <p15:sldGuideLst xmlns:p15="http://schemas.microsoft.com/office/powerpoint/2012/main"/>
+    </p:ext>
+  </p:extLst>
 </p:presentation>
+</file>
+
+<file path=ppt/notesMasters/notesMaster1.xml><?xml version="1.0" encoding="utf-8"?>
+<p:notesMaster xmlns:a="http://schemas.openxmlformats.org/drawingml/2006/main" xmlns:r="http://schemas.openxmlformats.org/officeDocument/2006/relationships" xmlns:p="http://schemas.openxmlformats.org/presentationml/2006/main">
+  <p:cSld>
+    <p:bg>
+      <p:bgRef idx="1001">
+        <a:schemeClr val="bg1"/>
+      </p:bgRef>
+    </p:bg>
+    <p:spTree>
+      <p:nvGrpSpPr>
+        <p:cNvPr id="1" name=""/>
+        <p:cNvGrpSpPr/>
+        <p:nvPr/>
+      </p:nvGrpSpPr>
+      <p:grpSpPr>
+        <a:xfrm>
+          <a:off x="0" y="0"/>
+          <a:ext cx="0" cy="0"/>
+          <a:chOff x="0" y="0"/>
+          <a:chExt cx="0" cy="0"/>
+        </a:xfrm>
+      </p:grpSpPr>
+      <p:sp>
+        <p:nvSpPr>
+          <p:cNvPr id="2" name="Espace réservé de l'en-tête 1"/>
+          <p:cNvSpPr>
+            <a:spLocks noGrp="1"/>
+          </p:cNvSpPr>
+          <p:nvPr>
+            <p:ph type="hdr" sz="quarter"/>
+          </p:nvPr>
+        </p:nvSpPr>
+        <p:spPr>
+          <a:xfrm>
+            <a:off x="0" y="0"/>
+            <a:ext cx="2971800" cy="458788"/>
+          </a:xfrm>
+          <a:prstGeom prst="rect">
+            <a:avLst/>
+          </a:prstGeom>
+        </p:spPr>
+        <p:txBody>
+          <a:bodyPr vert="horz" lIns="91440" tIns="45720" rIns="91440" bIns="45720" rtlCol="0"/>
+          <a:lstStyle>
+            <a:lvl1pPr algn="l">
+              <a:defRPr sz="1200"/>
+            </a:lvl1pPr>
+          </a:lstStyle>
+          <a:p>
+            <a:endParaRPr lang="fr-FR"/>
+          </a:p>
+        </p:txBody>
+      </p:sp>
+      <p:sp>
+        <p:nvSpPr>
+          <p:cNvPr id="3" name="Espace réservé de la date 2"/>
+          <p:cNvSpPr>
+            <a:spLocks noGrp="1"/>
+          </p:cNvSpPr>
+          <p:nvPr>
+            <p:ph type="dt" idx="1"/>
+          </p:nvPr>
+        </p:nvSpPr>
+        <p:spPr>
+          <a:xfrm>
+            <a:off x="3884613" y="0"/>
+            <a:ext cx="2971800" cy="458788"/>
+          </a:xfrm>
+          <a:prstGeom prst="rect">
+            <a:avLst/>
+          </a:prstGeom>
+        </p:spPr>
+        <p:txBody>
+          <a:bodyPr vert="horz" lIns="91440" tIns="45720" rIns="91440" bIns="45720" rtlCol="0"/>
+          <a:lstStyle>
+            <a:lvl1pPr algn="r">
+              <a:defRPr sz="1200"/>
+            </a:lvl1pPr>
+          </a:lstStyle>
+          <a:p>
+            <a:fld id="{1F059F11-39F1-4C63-9634-7ADB7F212C94}" type="datetimeFigureOut">
+              <a:rPr lang="fr-FR" smtClean="0"/>
+              <a:t>01/07/2019</a:t>
+            </a:fld>
+            <a:endParaRPr lang="fr-FR"/>
+          </a:p>
+        </p:txBody>
+      </p:sp>
+      <p:sp>
+        <p:nvSpPr>
+          <p:cNvPr id="4" name="Espace réservé de l'image des diapositives 3"/>
+          <p:cNvSpPr>
+            <a:spLocks noGrp="1" noRot="1" noChangeAspect="1"/>
+          </p:cNvSpPr>
+          <p:nvPr>
+            <p:ph type="sldImg" idx="2"/>
+          </p:nvPr>
+        </p:nvSpPr>
+        <p:spPr>
+          <a:xfrm>
+            <a:off x="685800" y="1143000"/>
+            <a:ext cx="5486400" cy="3086100"/>
+          </a:xfrm>
+          <a:prstGeom prst="rect">
+            <a:avLst/>
+          </a:prstGeom>
+          <a:noFill/>
+          <a:ln w="12700">
+            <a:solidFill>
+              <a:prstClr val="black"/>
+            </a:solidFill>
+          </a:ln>
+        </p:spPr>
+        <p:txBody>
+          <a:bodyPr vert="horz" lIns="91440" tIns="45720" rIns="91440" bIns="45720" rtlCol="0" anchor="ctr"/>
+          <a:lstStyle/>
+          <a:p>
+            <a:endParaRPr lang="fr-FR"/>
+          </a:p>
+        </p:txBody>
+      </p:sp>
+      <p:sp>
+        <p:nvSpPr>
+          <p:cNvPr id="5" name="Espace réservé des notes 4"/>
+          <p:cNvSpPr>
+            <a:spLocks noGrp="1"/>
+          </p:cNvSpPr>
+          <p:nvPr>
+            <p:ph type="body" sz="quarter" idx="3"/>
+          </p:nvPr>
+        </p:nvSpPr>
+        <p:spPr>
+          <a:xfrm>
+            <a:off x="685800" y="4400550"/>
+            <a:ext cx="5486400" cy="3600450"/>
+          </a:xfrm>
+          <a:prstGeom prst="rect">
+            <a:avLst/>
+          </a:prstGeom>
+        </p:spPr>
+        <p:txBody>
+          <a:bodyPr vert="horz" lIns="91440" tIns="45720" rIns="91440" bIns="45720" rtlCol="0"/>
+          <a:lstStyle/>
+          <a:p>
+            <a:pPr lvl="0"/>
+            <a:r>
+              <a:rPr lang="fr-FR" smtClean="0"/>
+              <a:t>Modifier les styles du texte du masque</a:t>
+            </a:r>
+          </a:p>
+          <a:p>
+            <a:pPr lvl="1"/>
+            <a:r>
+              <a:rPr lang="fr-FR" smtClean="0"/>
+              <a:t>Deuxième niveau</a:t>
+            </a:r>
+          </a:p>
+          <a:p>
+            <a:pPr lvl="2"/>
+            <a:r>
+              <a:rPr lang="fr-FR" smtClean="0"/>
+              <a:t>Troisième niveau</a:t>
+            </a:r>
+          </a:p>
+          <a:p>
+            <a:pPr lvl="3"/>
+            <a:r>
+              <a:rPr lang="fr-FR" smtClean="0"/>
+              <a:t>Quatrième niveau</a:t>
+            </a:r>
+          </a:p>
+          <a:p>
+            <a:pPr lvl="4"/>
+            <a:r>
+              <a:rPr lang="fr-FR" smtClean="0"/>
+              <a:t>Cinquième niveau</a:t>
+            </a:r>
+            <a:endParaRPr lang="fr-FR"/>
+          </a:p>
+        </p:txBody>
+      </p:sp>
+      <p:sp>
+        <p:nvSpPr>
+          <p:cNvPr id="6" name="Espace réservé du pied de page 5"/>
+          <p:cNvSpPr>
+            <a:spLocks noGrp="1"/>
+          </p:cNvSpPr>
+          <p:nvPr>
+            <p:ph type="ftr" sz="quarter" idx="4"/>
+          </p:nvPr>
+        </p:nvSpPr>
+        <p:spPr>
+          <a:xfrm>
+            <a:off x="0" y="8685213"/>
+            <a:ext cx="2971800" cy="458787"/>
+          </a:xfrm>
+          <a:prstGeom prst="rect">
+            <a:avLst/>
+          </a:prstGeom>
+        </p:spPr>
+        <p:txBody>
+          <a:bodyPr vert="horz" lIns="91440" tIns="45720" rIns="91440" bIns="45720" rtlCol="0" anchor="b"/>
+          <a:lstStyle>
+            <a:lvl1pPr algn="l">
+              <a:defRPr sz="1200"/>
+            </a:lvl1pPr>
+          </a:lstStyle>
+          <a:p>
+            <a:endParaRPr lang="fr-FR"/>
+          </a:p>
+        </p:txBody>
+      </p:sp>
+      <p:sp>
+        <p:nvSpPr>
+          <p:cNvPr id="7" name="Espace réservé du numéro de diapositive 6"/>
+          <p:cNvSpPr>
+            <a:spLocks noGrp="1"/>
+          </p:cNvSpPr>
+          <p:nvPr>
+            <p:ph type="sldNum" sz="quarter" idx="5"/>
+          </p:nvPr>
+        </p:nvSpPr>
+        <p:spPr>
+          <a:xfrm>
+            <a:off x="3884613" y="8685213"/>
+            <a:ext cx="2971800" cy="458787"/>
+          </a:xfrm>
+          <a:prstGeom prst="rect">
+            <a:avLst/>
+          </a:prstGeom>
+        </p:spPr>
+        <p:txBody>
+          <a:bodyPr vert="horz" lIns="91440" tIns="45720" rIns="91440" bIns="45720" rtlCol="0" anchor="b"/>
+          <a:lstStyle>
+            <a:lvl1pPr algn="r">
+              <a:defRPr sz="1200"/>
+            </a:lvl1pPr>
+          </a:lstStyle>
+          <a:p>
+            <a:fld id="{36054685-8C3B-477A-BB38-CA03E66EC27B}" type="slidenum">
+              <a:rPr lang="fr-FR" smtClean="0"/>
+              <a:t>‹N°›</a:t>
+            </a:fld>
+            <a:endParaRPr lang="fr-FR"/>
+          </a:p>
+        </p:txBody>
+      </p:sp>
+    </p:spTree>
+    <p:extLst>
+      <p:ext uri="{BB962C8B-B14F-4D97-AF65-F5344CB8AC3E}">
+        <p14:creationId xmlns:p14="http://schemas.microsoft.com/office/powerpoint/2010/main" val="1999439235"/>
+      </p:ext>
+    </p:extLst>
+  </p:cSld>
+  <p:clrMap bg1="lt1" tx1="dk1" bg2="lt2" tx2="dk2" accent1="accent1" accent2="accent2" accent3="accent3" accent4="accent4" accent5="accent5" accent6="accent6" hlink="hlink" folHlink="folHlink"/>
+  <p:notesStyle>
+    <a:lvl1pPr marL="0" algn="l" defTabSz="914400" rtl="0" eaLnBrk="1" latinLnBrk="0" hangingPunct="1">
+      <a:defRPr sz="1200" kern="1200">
+        <a:solidFill>
+          <a:schemeClr val="tx1"/>
+        </a:solidFill>
+        <a:latin typeface="+mn-lt"/>
+        <a:ea typeface="+mn-ea"/>
+        <a:cs typeface="+mn-cs"/>
+      </a:defRPr>
+    </a:lvl1pPr>
+    <a:lvl2pPr marL="457200" algn="l" defTabSz="914400" rtl="0" eaLnBrk="1" latinLnBrk="0" hangingPunct="1">
+      <a:defRPr sz="1200" kern="1200">
+        <a:solidFill>
+          <a:schemeClr val="tx1"/>
+        </a:solidFill>
+        <a:latin typeface="+mn-lt"/>
+        <a:ea typeface="+mn-ea"/>
+        <a:cs typeface="+mn-cs"/>
+      </a:defRPr>
+    </a:lvl2pPr>
+    <a:lvl3pPr marL="914400" algn="l" defTabSz="914400" rtl="0" eaLnBrk="1" latinLnBrk="0" hangingPunct="1">
+      <a:defRPr sz="1200" kern="1200">
+        <a:solidFill>
+          <a:schemeClr val="tx1"/>
+        </a:solidFill>
+        <a:latin typeface="+mn-lt"/>
+        <a:ea typeface="+mn-ea"/>
+        <a:cs typeface="+mn-cs"/>
+      </a:defRPr>
+    </a:lvl3pPr>
+    <a:lvl4pPr marL="1371600" algn="l" defTabSz="914400" rtl="0" eaLnBrk="1" latinLnBrk="0" hangingPunct="1">
+      <a:defRPr sz="1200" kern="1200">
+        <a:solidFill>
+          <a:schemeClr val="tx1"/>
+        </a:solidFill>
+        <a:latin typeface="+mn-lt"/>
+        <a:ea typeface="+mn-ea"/>
+        <a:cs typeface="+mn-cs"/>
+      </a:defRPr>
+    </a:lvl4pPr>
+    <a:lvl5pPr marL="1828800" algn="l" defTabSz="914400" rtl="0" eaLnBrk="1" latinLnBrk="0" hangingPunct="1">
+      <a:defRPr sz="1200" kern="1200">
+        <a:solidFill>
+          <a:schemeClr val="tx1"/>
+        </a:solidFill>
+        <a:latin typeface="+mn-lt"/>
+        <a:ea typeface="+mn-ea"/>
+        <a:cs typeface="+mn-cs"/>
+      </a:defRPr>
+    </a:lvl5pPr>
+    <a:lvl6pPr marL="2286000" algn="l" defTabSz="914400" rtl="0" eaLnBrk="1" latinLnBrk="0" hangingPunct="1">
+      <a:defRPr sz="1200" kern="1200">
+        <a:solidFill>
+          <a:schemeClr val="tx1"/>
+        </a:solidFill>
+        <a:latin typeface="+mn-lt"/>
+        <a:ea typeface="+mn-ea"/>
+        <a:cs typeface="+mn-cs"/>
+      </a:defRPr>
+    </a:lvl6pPr>
+    <a:lvl7pPr marL="2743200" algn="l" defTabSz="914400" rtl="0" eaLnBrk="1" latinLnBrk="0" hangingPunct="1">
+      <a:defRPr sz="1200" kern="1200">
+        <a:solidFill>
+          <a:schemeClr val="tx1"/>
+        </a:solidFill>
+        <a:latin typeface="+mn-lt"/>
+        <a:ea typeface="+mn-ea"/>
+        <a:cs typeface="+mn-cs"/>
+      </a:defRPr>
+    </a:lvl7pPr>
+    <a:lvl8pPr marL="3200400" algn="l" defTabSz="914400" rtl="0" eaLnBrk="1" latinLnBrk="0" hangingPunct="1">
+      <a:defRPr sz="1200" kern="1200">
+        <a:solidFill>
+          <a:schemeClr val="tx1"/>
+        </a:solidFill>
+        <a:latin typeface="+mn-lt"/>
+        <a:ea typeface="+mn-ea"/>
+        <a:cs typeface="+mn-cs"/>
+      </a:defRPr>
+    </a:lvl8pPr>
+    <a:lvl9pPr marL="3657600" algn="l" defTabSz="914400" rtl="0" eaLnBrk="1" latinLnBrk="0" hangingPunct="1">
+      <a:defRPr sz="1200" kern="1200">
+        <a:solidFill>
+          <a:schemeClr val="tx1"/>
+        </a:solidFill>
+        <a:latin typeface="+mn-lt"/>
+        <a:ea typeface="+mn-ea"/>
+        <a:cs typeface="+mn-cs"/>
+      </a:defRPr>
+    </a:lvl9pPr>
+  </p:notesStyle>
+</p:notesMaster>
+</file>
+
+<file path=ppt/notesSlides/notesSlide1.xml><?xml version="1.0" encoding="utf-8"?>
+<p:notes xmlns:a="http://schemas.openxmlformats.org/drawingml/2006/main" xmlns:r="http://schemas.openxmlformats.org/officeDocument/2006/relationships" xmlns:p="http://schemas.openxmlformats.org/presentationml/2006/main">
+  <p:cSld>
+    <p:spTree>
+      <p:nvGrpSpPr>
+        <p:cNvPr id="1" name=""/>
+        <p:cNvGrpSpPr/>
+        <p:nvPr/>
+      </p:nvGrpSpPr>
+      <p:grpSpPr>
+        <a:xfrm>
+          <a:off x="0" y="0"/>
+          <a:ext cx="0" cy="0"/>
+          <a:chOff x="0" y="0"/>
+          <a:chExt cx="0" cy="0"/>
+        </a:xfrm>
+      </p:grpSpPr>
+      <p:sp>
+        <p:nvSpPr>
+          <p:cNvPr id="2" name="Espace réservé de l'image des diapositives 1"/>
+          <p:cNvSpPr>
+            <a:spLocks noGrp="1" noRot="1" noChangeAspect="1"/>
+          </p:cNvSpPr>
+          <p:nvPr>
+            <p:ph type="sldImg"/>
+          </p:nvPr>
+        </p:nvSpPr>
+        <p:spPr/>
+      </p:sp>
+      <p:sp>
+        <p:nvSpPr>
+          <p:cNvPr id="3" name="Espace réservé des notes 2"/>
+          <p:cNvSpPr>
+            <a:spLocks noGrp="1"/>
+          </p:cNvSpPr>
+          <p:nvPr>
+            <p:ph type="body" idx="1"/>
+          </p:nvPr>
+        </p:nvSpPr>
+        <p:spPr/>
+        <p:txBody>
+          <a:bodyPr/>
+          <a:lstStyle/>
+          <a:p>
+            <a:r>
+              <a:rPr lang="fr-FR" dirty="0" smtClean="0"/>
+              <a:t>Cela peut paraître contre-intuitif, mais toutes les machines peuvent servir de </a:t>
+            </a:r>
+            <a:r>
+              <a:rPr lang="fr-FR" dirty="0" err="1" smtClean="0"/>
+              <a:t>remote</a:t>
+            </a:r>
+            <a:r>
+              <a:rPr lang="fr-FR" dirty="0" smtClean="0"/>
+              <a:t>.</a:t>
+            </a:r>
+          </a:p>
+          <a:p>
+            <a:r>
+              <a:rPr lang="fr-FR" dirty="0" smtClean="0"/>
+              <a:t>En effet,  je peux me servir de ma propre machine comme d'un </a:t>
+            </a:r>
+            <a:r>
+              <a:rPr lang="fr-FR" dirty="0" err="1" smtClean="0"/>
+              <a:t>remote</a:t>
+            </a:r>
+            <a:r>
+              <a:rPr lang="fr-FR" dirty="0" smtClean="0"/>
+              <a:t>. Je définis ainsi un autre </a:t>
+            </a:r>
+            <a:r>
+              <a:rPr lang="fr-FR" dirty="0" err="1" smtClean="0"/>
+              <a:t>repertoire</a:t>
+            </a:r>
+            <a:r>
+              <a:rPr lang="fr-FR" dirty="0" smtClean="0"/>
+              <a:t> comme étant "</a:t>
+            </a:r>
+            <a:r>
+              <a:rPr lang="fr-FR" dirty="0" err="1" smtClean="0"/>
+              <a:t>remote</a:t>
+            </a:r>
+            <a:r>
+              <a:rPr lang="fr-FR" dirty="0" smtClean="0"/>
+              <a:t>" et je vais pouvoir envoyer mon code vers lui avec la commande "push" sans soucis. Ce n'est pas nécessairement la meilleure des idées car un des intérêts d'utiliser un </a:t>
+            </a:r>
+            <a:r>
+              <a:rPr lang="fr-FR" dirty="0" err="1" smtClean="0"/>
+              <a:t>remote</a:t>
+            </a:r>
+            <a:r>
+              <a:rPr lang="fr-FR" dirty="0" smtClean="0"/>
+              <a:t> est de pouvoir garder une copie de sauvegarde ailleurs (pour éviter les problèmes matériels) et/ou donner accès à d'autres développeurs (en mettant le code en ligne). Un cas d'utilisation intéressant serait de définir comme </a:t>
+            </a:r>
+            <a:r>
+              <a:rPr lang="fr-FR" dirty="0" err="1" smtClean="0"/>
+              <a:t>remote</a:t>
+            </a:r>
+            <a:r>
+              <a:rPr lang="fr-FR" dirty="0" smtClean="0"/>
+              <a:t> son dossier "Dropbox" par exemple, ce qui garantit une synchronisation sur Internet à peu de frais.</a:t>
+            </a:r>
+          </a:p>
+          <a:p>
+            <a:r>
+              <a:rPr lang="fr-FR" dirty="0" smtClean="0"/>
+              <a:t>De plus un autre développeur peut se servir de ma machine comme </a:t>
+            </a:r>
+            <a:r>
+              <a:rPr lang="fr-FR" dirty="0" err="1" smtClean="0"/>
+              <a:t>remote</a:t>
+            </a:r>
+            <a:r>
+              <a:rPr lang="fr-FR" dirty="0" smtClean="0"/>
+              <a:t> pour son </a:t>
+            </a:r>
+            <a:r>
+              <a:rPr lang="fr-FR" dirty="0" err="1" smtClean="0"/>
+              <a:t>repository</a:t>
+            </a:r>
+            <a:r>
+              <a:rPr lang="fr-FR" dirty="0" smtClean="0"/>
+              <a:t> Git.</a:t>
+            </a:r>
+          </a:p>
+          <a:p>
+            <a:r>
+              <a:rPr lang="fr-FR" dirty="0" smtClean="0"/>
+              <a:t> </a:t>
+            </a:r>
+          </a:p>
+          <a:p>
+            <a:endParaRPr lang="fr-FR" dirty="0"/>
+          </a:p>
+        </p:txBody>
+      </p:sp>
+      <p:sp>
+        <p:nvSpPr>
+          <p:cNvPr id="4" name="Espace réservé du numéro de diapositive 3"/>
+          <p:cNvSpPr>
+            <a:spLocks noGrp="1"/>
+          </p:cNvSpPr>
+          <p:nvPr>
+            <p:ph type="sldNum" sz="quarter" idx="10"/>
+          </p:nvPr>
+        </p:nvSpPr>
+        <p:spPr/>
+        <p:txBody>
+          <a:bodyPr/>
+          <a:lstStyle/>
+          <a:p>
+            <a:fld id="{36054685-8C3B-477A-BB38-CA03E66EC27B}" type="slidenum">
+              <a:rPr lang="fr-FR" smtClean="0"/>
+              <a:t>23</a:t>
+            </a:fld>
+            <a:endParaRPr lang="fr-FR"/>
+          </a:p>
+        </p:txBody>
+      </p:sp>
+    </p:spTree>
+    <p:extLst>
+      <p:ext uri="{BB962C8B-B14F-4D97-AF65-F5344CB8AC3E}">
+        <p14:creationId xmlns:p14="http://schemas.microsoft.com/office/powerpoint/2010/main" val="598097227"/>
+      </p:ext>
+    </p:extLst>
+  </p:cSld>
+  <p:clrMapOvr>
+    <a:masterClrMapping/>
+  </p:clrMapOvr>
+</p:notes>
+</file>
+
+<file path=ppt/notesSlides/notesSlide2.xml><?xml version="1.0" encoding="utf-8"?>
+<p:notes xmlns:a="http://schemas.openxmlformats.org/drawingml/2006/main" xmlns:r="http://schemas.openxmlformats.org/officeDocument/2006/relationships" xmlns:p="http://schemas.openxmlformats.org/presentationml/2006/main">
+  <p:cSld>
+    <p:spTree>
+      <p:nvGrpSpPr>
+        <p:cNvPr id="1" name=""/>
+        <p:cNvGrpSpPr/>
+        <p:nvPr/>
+      </p:nvGrpSpPr>
+      <p:grpSpPr>
+        <a:xfrm>
+          <a:off x="0" y="0"/>
+          <a:ext cx="0" cy="0"/>
+          <a:chOff x="0" y="0"/>
+          <a:chExt cx="0" cy="0"/>
+        </a:xfrm>
+      </p:grpSpPr>
+      <p:sp>
+        <p:nvSpPr>
+          <p:cNvPr id="2" name="Espace réservé de l'image des diapositives 1"/>
+          <p:cNvSpPr>
+            <a:spLocks noGrp="1" noRot="1" noChangeAspect="1"/>
+          </p:cNvSpPr>
+          <p:nvPr>
+            <p:ph type="sldImg"/>
+          </p:nvPr>
+        </p:nvSpPr>
+        <p:spPr/>
+      </p:sp>
+      <p:sp>
+        <p:nvSpPr>
+          <p:cNvPr id="3" name="Espace réservé des notes 2"/>
+          <p:cNvSpPr>
+            <a:spLocks noGrp="1"/>
+          </p:cNvSpPr>
+          <p:nvPr>
+            <p:ph type="body" idx="1"/>
+          </p:nvPr>
+        </p:nvSpPr>
+        <p:spPr/>
+        <p:txBody>
+          <a:bodyPr/>
+          <a:lstStyle/>
+          <a:p>
+            <a:endParaRPr lang="fr-FR" dirty="0"/>
+          </a:p>
+        </p:txBody>
+      </p:sp>
+      <p:sp>
+        <p:nvSpPr>
+          <p:cNvPr id="4" name="Espace réservé du numéro de diapositive 3"/>
+          <p:cNvSpPr>
+            <a:spLocks noGrp="1"/>
+          </p:cNvSpPr>
+          <p:nvPr>
+            <p:ph type="sldNum" sz="quarter" idx="10"/>
+          </p:nvPr>
+        </p:nvSpPr>
+        <p:spPr/>
+        <p:txBody>
+          <a:bodyPr/>
+          <a:lstStyle/>
+          <a:p>
+            <a:fld id="{36054685-8C3B-477A-BB38-CA03E66EC27B}" type="slidenum">
+              <a:rPr lang="fr-FR" smtClean="0"/>
+              <a:t>24</a:t>
+            </a:fld>
+            <a:endParaRPr lang="fr-FR"/>
+          </a:p>
+        </p:txBody>
+      </p:sp>
+    </p:spTree>
+    <p:extLst>
+      <p:ext uri="{BB962C8B-B14F-4D97-AF65-F5344CB8AC3E}">
+        <p14:creationId xmlns:p14="http://schemas.microsoft.com/office/powerpoint/2010/main" val="4010018256"/>
+      </p:ext>
+    </p:extLst>
+  </p:cSld>
+  <p:clrMapOvr>
+    <a:masterClrMapping/>
+  </p:clrMapOvr>
+</p:notes>
+</file>
+
+<file path=ppt/notesSlides/notesSlide3.xml><?xml version="1.0" encoding="utf-8"?>
+<p:notes xmlns:a="http://schemas.openxmlformats.org/drawingml/2006/main" xmlns:r="http://schemas.openxmlformats.org/officeDocument/2006/relationships" xmlns:p="http://schemas.openxmlformats.org/presentationml/2006/main">
+  <p:cSld>
+    <p:spTree>
+      <p:nvGrpSpPr>
+        <p:cNvPr id="1" name=""/>
+        <p:cNvGrpSpPr/>
+        <p:nvPr/>
+      </p:nvGrpSpPr>
+      <p:grpSpPr>
+        <a:xfrm>
+          <a:off x="0" y="0"/>
+          <a:ext cx="0" cy="0"/>
+          <a:chOff x="0" y="0"/>
+          <a:chExt cx="0" cy="0"/>
+        </a:xfrm>
+      </p:grpSpPr>
+      <p:sp>
+        <p:nvSpPr>
+          <p:cNvPr id="2" name="Espace réservé de l'image des diapositives 1"/>
+          <p:cNvSpPr>
+            <a:spLocks noGrp="1" noRot="1" noChangeAspect="1"/>
+          </p:cNvSpPr>
+          <p:nvPr>
+            <p:ph type="sldImg"/>
+          </p:nvPr>
+        </p:nvSpPr>
+        <p:spPr/>
+      </p:sp>
+      <p:sp>
+        <p:nvSpPr>
+          <p:cNvPr id="3" name="Espace réservé des notes 2"/>
+          <p:cNvSpPr>
+            <a:spLocks noGrp="1"/>
+          </p:cNvSpPr>
+          <p:nvPr>
+            <p:ph type="body" idx="1"/>
+          </p:nvPr>
+        </p:nvSpPr>
+        <p:spPr/>
+        <p:txBody>
+          <a:bodyPr/>
+          <a:lstStyle/>
+          <a:p>
+            <a:endParaRPr lang="fr-FR" dirty="0"/>
+          </a:p>
+        </p:txBody>
+      </p:sp>
+      <p:sp>
+        <p:nvSpPr>
+          <p:cNvPr id="4" name="Espace réservé du numéro de diapositive 3"/>
+          <p:cNvSpPr>
+            <a:spLocks noGrp="1"/>
+          </p:cNvSpPr>
+          <p:nvPr>
+            <p:ph type="sldNum" sz="quarter" idx="10"/>
+          </p:nvPr>
+        </p:nvSpPr>
+        <p:spPr/>
+        <p:txBody>
+          <a:bodyPr/>
+          <a:lstStyle/>
+          <a:p>
+            <a:fld id="{36054685-8C3B-477A-BB38-CA03E66EC27B}" type="slidenum">
+              <a:rPr lang="fr-FR" smtClean="0"/>
+              <a:t>25</a:t>
+            </a:fld>
+            <a:endParaRPr lang="fr-FR"/>
+          </a:p>
+        </p:txBody>
+      </p:sp>
+    </p:spTree>
+    <p:extLst>
+      <p:ext uri="{BB962C8B-B14F-4D97-AF65-F5344CB8AC3E}">
+        <p14:creationId xmlns:p14="http://schemas.microsoft.com/office/powerpoint/2010/main" val="2238094183"/>
+      </p:ext>
+    </p:extLst>
+  </p:cSld>
+  <p:clrMapOvr>
+    <a:masterClrMapping/>
+  </p:clrMapOvr>
+</p:notes>
+</file>
+
+<file path=ppt/notesSlides/notesSlide4.xml><?xml version="1.0" encoding="utf-8"?>
+<p:notes xmlns:a="http://schemas.openxmlformats.org/drawingml/2006/main" xmlns:r="http://schemas.openxmlformats.org/officeDocument/2006/relationships" xmlns:p="http://schemas.openxmlformats.org/presentationml/2006/main">
+  <p:cSld>
+    <p:spTree>
+      <p:nvGrpSpPr>
+        <p:cNvPr id="1" name=""/>
+        <p:cNvGrpSpPr/>
+        <p:nvPr/>
+      </p:nvGrpSpPr>
+      <p:grpSpPr>
+        <a:xfrm>
+          <a:off x="0" y="0"/>
+          <a:ext cx="0" cy="0"/>
+          <a:chOff x="0" y="0"/>
+          <a:chExt cx="0" cy="0"/>
+        </a:xfrm>
+      </p:grpSpPr>
+      <p:sp>
+        <p:nvSpPr>
+          <p:cNvPr id="2" name="Espace réservé de l'image des diapositives 1"/>
+          <p:cNvSpPr>
+            <a:spLocks noGrp="1" noRot="1" noChangeAspect="1"/>
+          </p:cNvSpPr>
+          <p:nvPr>
+            <p:ph type="sldImg"/>
+          </p:nvPr>
+        </p:nvSpPr>
+        <p:spPr/>
+      </p:sp>
+      <p:sp>
+        <p:nvSpPr>
+          <p:cNvPr id="3" name="Espace réservé des notes 2"/>
+          <p:cNvSpPr>
+            <a:spLocks noGrp="1"/>
+          </p:cNvSpPr>
+          <p:nvPr>
+            <p:ph type="body" idx="1"/>
+          </p:nvPr>
+        </p:nvSpPr>
+        <p:spPr/>
+        <p:txBody>
+          <a:bodyPr/>
+          <a:lstStyle/>
+          <a:p>
+            <a:endParaRPr lang="fr-FR" dirty="0"/>
+          </a:p>
+        </p:txBody>
+      </p:sp>
+      <p:sp>
+        <p:nvSpPr>
+          <p:cNvPr id="4" name="Espace réservé du numéro de diapositive 3"/>
+          <p:cNvSpPr>
+            <a:spLocks noGrp="1"/>
+          </p:cNvSpPr>
+          <p:nvPr>
+            <p:ph type="sldNum" sz="quarter" idx="10"/>
+          </p:nvPr>
+        </p:nvSpPr>
+        <p:spPr/>
+        <p:txBody>
+          <a:bodyPr/>
+          <a:lstStyle/>
+          <a:p>
+            <a:fld id="{36054685-8C3B-477A-BB38-CA03E66EC27B}" type="slidenum">
+              <a:rPr lang="fr-FR" smtClean="0"/>
+              <a:t>26</a:t>
+            </a:fld>
+            <a:endParaRPr lang="fr-FR"/>
+          </a:p>
+        </p:txBody>
+      </p:sp>
+    </p:spTree>
+    <p:extLst>
+      <p:ext uri="{BB962C8B-B14F-4D97-AF65-F5344CB8AC3E}">
+        <p14:creationId xmlns:p14="http://schemas.microsoft.com/office/powerpoint/2010/main" val="103293972"/>
+      </p:ext>
+    </p:extLst>
+  </p:cSld>
+  <p:clrMapOvr>
+    <a:masterClrMapping/>
+  </p:clrMapOvr>
+</p:notes>
+</file>
+
+<file path=ppt/notesSlides/notesSlide5.xml><?xml version="1.0" encoding="utf-8"?>
+<p:notes xmlns:a="http://schemas.openxmlformats.org/drawingml/2006/main" xmlns:r="http://schemas.openxmlformats.org/officeDocument/2006/relationships" xmlns:p="http://schemas.openxmlformats.org/presentationml/2006/main">
+  <p:cSld>
+    <p:spTree>
+      <p:nvGrpSpPr>
+        <p:cNvPr id="1" name=""/>
+        <p:cNvGrpSpPr/>
+        <p:nvPr/>
+      </p:nvGrpSpPr>
+      <p:grpSpPr>
+        <a:xfrm>
+          <a:off x="0" y="0"/>
+          <a:ext cx="0" cy="0"/>
+          <a:chOff x="0" y="0"/>
+          <a:chExt cx="0" cy="0"/>
+        </a:xfrm>
+      </p:grpSpPr>
+      <p:sp>
+        <p:nvSpPr>
+          <p:cNvPr id="2" name="Espace réservé de l'image des diapositives 1"/>
+          <p:cNvSpPr>
+            <a:spLocks noGrp="1" noRot="1" noChangeAspect="1"/>
+          </p:cNvSpPr>
+          <p:nvPr>
+            <p:ph type="sldImg"/>
+          </p:nvPr>
+        </p:nvSpPr>
+        <p:spPr/>
+      </p:sp>
+      <p:sp>
+        <p:nvSpPr>
+          <p:cNvPr id="3" name="Espace réservé des notes 2"/>
+          <p:cNvSpPr>
+            <a:spLocks noGrp="1"/>
+          </p:cNvSpPr>
+          <p:nvPr>
+            <p:ph type="body" idx="1"/>
+          </p:nvPr>
+        </p:nvSpPr>
+        <p:spPr/>
+        <p:txBody>
+          <a:bodyPr/>
+          <a:lstStyle/>
+          <a:p>
+            <a:endParaRPr lang="fr-FR" dirty="0"/>
+          </a:p>
+        </p:txBody>
+      </p:sp>
+      <p:sp>
+        <p:nvSpPr>
+          <p:cNvPr id="4" name="Espace réservé du numéro de diapositive 3"/>
+          <p:cNvSpPr>
+            <a:spLocks noGrp="1"/>
+          </p:cNvSpPr>
+          <p:nvPr>
+            <p:ph type="sldNum" sz="quarter" idx="10"/>
+          </p:nvPr>
+        </p:nvSpPr>
+        <p:spPr/>
+        <p:txBody>
+          <a:bodyPr/>
+          <a:lstStyle/>
+          <a:p>
+            <a:fld id="{36054685-8C3B-477A-BB38-CA03E66EC27B}" type="slidenum">
+              <a:rPr lang="fr-FR" smtClean="0"/>
+              <a:t>27</a:t>
+            </a:fld>
+            <a:endParaRPr lang="fr-FR"/>
+          </a:p>
+        </p:txBody>
+      </p:sp>
+    </p:spTree>
+    <p:extLst>
+      <p:ext uri="{BB962C8B-B14F-4D97-AF65-F5344CB8AC3E}">
+        <p14:creationId xmlns:p14="http://schemas.microsoft.com/office/powerpoint/2010/main" val="2177720206"/>
+      </p:ext>
+    </p:extLst>
+  </p:cSld>
+  <p:clrMapOvr>
+    <a:masterClrMapping/>
+  </p:clrMapOvr>
+</p:notes>
+</file>
+
+<file path=ppt/notesSlides/notesSlide6.xml><?xml version="1.0" encoding="utf-8"?>
+<p:notes xmlns:a="http://schemas.openxmlformats.org/drawingml/2006/main" xmlns:r="http://schemas.openxmlformats.org/officeDocument/2006/relationships" xmlns:p="http://schemas.openxmlformats.org/presentationml/2006/main">
+  <p:cSld>
+    <p:spTree>
+      <p:nvGrpSpPr>
+        <p:cNvPr id="1" name=""/>
+        <p:cNvGrpSpPr/>
+        <p:nvPr/>
+      </p:nvGrpSpPr>
+      <p:grpSpPr>
+        <a:xfrm>
+          <a:off x="0" y="0"/>
+          <a:ext cx="0" cy="0"/>
+          <a:chOff x="0" y="0"/>
+          <a:chExt cx="0" cy="0"/>
+        </a:xfrm>
+      </p:grpSpPr>
+      <p:sp>
+        <p:nvSpPr>
+          <p:cNvPr id="2" name="Espace réservé de l'image des diapositives 1"/>
+          <p:cNvSpPr>
+            <a:spLocks noGrp="1" noRot="1" noChangeAspect="1"/>
+          </p:cNvSpPr>
+          <p:nvPr>
+            <p:ph type="sldImg"/>
+          </p:nvPr>
+        </p:nvSpPr>
+        <p:spPr/>
+      </p:sp>
+      <p:sp>
+        <p:nvSpPr>
+          <p:cNvPr id="3" name="Espace réservé des notes 2"/>
+          <p:cNvSpPr>
+            <a:spLocks noGrp="1"/>
+          </p:cNvSpPr>
+          <p:nvPr>
+            <p:ph type="body" idx="1"/>
+          </p:nvPr>
+        </p:nvSpPr>
+        <p:spPr/>
+        <p:txBody>
+          <a:bodyPr/>
+          <a:lstStyle/>
+          <a:p>
+            <a:endParaRPr lang="fr-FR" dirty="0"/>
+          </a:p>
+        </p:txBody>
+      </p:sp>
+      <p:sp>
+        <p:nvSpPr>
+          <p:cNvPr id="4" name="Espace réservé du numéro de diapositive 3"/>
+          <p:cNvSpPr>
+            <a:spLocks noGrp="1"/>
+          </p:cNvSpPr>
+          <p:nvPr>
+            <p:ph type="sldNum" sz="quarter" idx="10"/>
+          </p:nvPr>
+        </p:nvSpPr>
+        <p:spPr/>
+        <p:txBody>
+          <a:bodyPr/>
+          <a:lstStyle/>
+          <a:p>
+            <a:fld id="{36054685-8C3B-477A-BB38-CA03E66EC27B}" type="slidenum">
+              <a:rPr lang="fr-FR" smtClean="0"/>
+              <a:t>28</a:t>
+            </a:fld>
+            <a:endParaRPr lang="fr-FR"/>
+          </a:p>
+        </p:txBody>
+      </p:sp>
+    </p:spTree>
+    <p:extLst>
+      <p:ext uri="{BB962C8B-B14F-4D97-AF65-F5344CB8AC3E}">
+        <p14:creationId xmlns:p14="http://schemas.microsoft.com/office/powerpoint/2010/main" val="3218198343"/>
+      </p:ext>
+    </p:extLst>
+  </p:cSld>
+  <p:clrMapOvr>
+    <a:masterClrMapping/>
+  </p:clrMapOvr>
+</p:notes>
+</file>
+
+<file path=ppt/notesSlides/notesSlide7.xml><?xml version="1.0" encoding="utf-8"?>
+<p:notes xmlns:a="http://schemas.openxmlformats.org/drawingml/2006/main" xmlns:r="http://schemas.openxmlformats.org/officeDocument/2006/relationships" xmlns:p="http://schemas.openxmlformats.org/presentationml/2006/main">
+  <p:cSld>
+    <p:spTree>
+      <p:nvGrpSpPr>
+        <p:cNvPr id="1" name=""/>
+        <p:cNvGrpSpPr/>
+        <p:nvPr/>
+      </p:nvGrpSpPr>
+      <p:grpSpPr>
+        <a:xfrm>
+          <a:off x="0" y="0"/>
+          <a:ext cx="0" cy="0"/>
+          <a:chOff x="0" y="0"/>
+          <a:chExt cx="0" cy="0"/>
+        </a:xfrm>
+      </p:grpSpPr>
+      <p:sp>
+        <p:nvSpPr>
+          <p:cNvPr id="2" name="Espace réservé de l'image des diapositives 1"/>
+          <p:cNvSpPr>
+            <a:spLocks noGrp="1" noRot="1" noChangeAspect="1"/>
+          </p:cNvSpPr>
+          <p:nvPr>
+            <p:ph type="sldImg"/>
+          </p:nvPr>
+        </p:nvSpPr>
+        <p:spPr/>
+      </p:sp>
+      <p:sp>
+        <p:nvSpPr>
+          <p:cNvPr id="3" name="Espace réservé des notes 2"/>
+          <p:cNvSpPr>
+            <a:spLocks noGrp="1"/>
+          </p:cNvSpPr>
+          <p:nvPr>
+            <p:ph type="body" idx="1"/>
+          </p:nvPr>
+        </p:nvSpPr>
+        <p:spPr/>
+        <p:txBody>
+          <a:bodyPr/>
+          <a:lstStyle/>
+          <a:p>
+            <a:endParaRPr lang="fr-FR" dirty="0"/>
+          </a:p>
+        </p:txBody>
+      </p:sp>
+      <p:sp>
+        <p:nvSpPr>
+          <p:cNvPr id="4" name="Espace réservé du numéro de diapositive 3"/>
+          <p:cNvSpPr>
+            <a:spLocks noGrp="1"/>
+          </p:cNvSpPr>
+          <p:nvPr>
+            <p:ph type="sldNum" sz="quarter" idx="10"/>
+          </p:nvPr>
+        </p:nvSpPr>
+        <p:spPr/>
+        <p:txBody>
+          <a:bodyPr/>
+          <a:lstStyle/>
+          <a:p>
+            <a:fld id="{36054685-8C3B-477A-BB38-CA03E66EC27B}" type="slidenum">
+              <a:rPr lang="fr-FR" smtClean="0"/>
+              <a:t>29</a:t>
+            </a:fld>
+            <a:endParaRPr lang="fr-FR"/>
+          </a:p>
+        </p:txBody>
+      </p:sp>
+    </p:spTree>
+    <p:extLst>
+      <p:ext uri="{BB962C8B-B14F-4D97-AF65-F5344CB8AC3E}">
+        <p14:creationId xmlns:p14="http://schemas.microsoft.com/office/powerpoint/2010/main" val="3233182472"/>
+      </p:ext>
+    </p:extLst>
+  </p:cSld>
+  <p:clrMapOvr>
+    <a:masterClrMapping/>
+  </p:clrMapOvr>
+</p:notes>
+</file>
+
+<file path=ppt/notesSlides/notesSlide8.xml><?xml version="1.0" encoding="utf-8"?>
+<p:notes xmlns:a="http://schemas.openxmlformats.org/drawingml/2006/main" xmlns:r="http://schemas.openxmlformats.org/officeDocument/2006/relationships" xmlns:p="http://schemas.openxmlformats.org/presentationml/2006/main">
+  <p:cSld>
+    <p:spTree>
+      <p:nvGrpSpPr>
+        <p:cNvPr id="1" name=""/>
+        <p:cNvGrpSpPr/>
+        <p:nvPr/>
+      </p:nvGrpSpPr>
+      <p:grpSpPr>
+        <a:xfrm>
+          <a:off x="0" y="0"/>
+          <a:ext cx="0" cy="0"/>
+          <a:chOff x="0" y="0"/>
+          <a:chExt cx="0" cy="0"/>
+        </a:xfrm>
+      </p:grpSpPr>
+      <p:sp>
+        <p:nvSpPr>
+          <p:cNvPr id="2" name="Espace réservé de l'image des diapositives 1"/>
+          <p:cNvSpPr>
+            <a:spLocks noGrp="1" noRot="1" noChangeAspect="1"/>
+          </p:cNvSpPr>
+          <p:nvPr>
+            <p:ph type="sldImg"/>
+          </p:nvPr>
+        </p:nvSpPr>
+        <p:spPr/>
+      </p:sp>
+      <p:sp>
+        <p:nvSpPr>
+          <p:cNvPr id="3" name="Espace réservé des notes 2"/>
+          <p:cNvSpPr>
+            <a:spLocks noGrp="1"/>
+          </p:cNvSpPr>
+          <p:nvPr>
+            <p:ph type="body" idx="1"/>
+          </p:nvPr>
+        </p:nvSpPr>
+        <p:spPr/>
+        <p:txBody>
+          <a:bodyPr/>
+          <a:lstStyle/>
+          <a:p>
+            <a:endParaRPr lang="fr-FR" dirty="0"/>
+          </a:p>
+        </p:txBody>
+      </p:sp>
+      <p:sp>
+        <p:nvSpPr>
+          <p:cNvPr id="4" name="Espace réservé du numéro de diapositive 3"/>
+          <p:cNvSpPr>
+            <a:spLocks noGrp="1"/>
+          </p:cNvSpPr>
+          <p:nvPr>
+            <p:ph type="sldNum" sz="quarter" idx="10"/>
+          </p:nvPr>
+        </p:nvSpPr>
+        <p:spPr/>
+        <p:txBody>
+          <a:bodyPr/>
+          <a:lstStyle/>
+          <a:p>
+            <a:fld id="{36054685-8C3B-477A-BB38-CA03E66EC27B}" type="slidenum">
+              <a:rPr lang="fr-FR" smtClean="0"/>
+              <a:t>30</a:t>
+            </a:fld>
+            <a:endParaRPr lang="fr-FR"/>
+          </a:p>
+        </p:txBody>
+      </p:sp>
+    </p:spTree>
+    <p:extLst>
+      <p:ext uri="{BB962C8B-B14F-4D97-AF65-F5344CB8AC3E}">
+        <p14:creationId xmlns:p14="http://schemas.microsoft.com/office/powerpoint/2010/main" val="1631651454"/>
+      </p:ext>
+    </p:extLst>
+  </p:cSld>
+  <p:clrMapOvr>
+    <a:masterClrMapping/>
+  </p:clrMapOvr>
+</p:notes>
+</file>
+
+<file path=ppt/notesSlides/notesSlide9.xml><?xml version="1.0" encoding="utf-8"?>
+<p:notes xmlns:a="http://schemas.openxmlformats.org/drawingml/2006/main" xmlns:r="http://schemas.openxmlformats.org/officeDocument/2006/relationships" xmlns:p="http://schemas.openxmlformats.org/presentationml/2006/main">
+  <p:cSld>
+    <p:spTree>
+      <p:nvGrpSpPr>
+        <p:cNvPr id="1" name=""/>
+        <p:cNvGrpSpPr/>
+        <p:nvPr/>
+      </p:nvGrpSpPr>
+      <p:grpSpPr>
+        <a:xfrm>
+          <a:off x="0" y="0"/>
+          <a:ext cx="0" cy="0"/>
+          <a:chOff x="0" y="0"/>
+          <a:chExt cx="0" cy="0"/>
+        </a:xfrm>
+      </p:grpSpPr>
+      <p:sp>
+        <p:nvSpPr>
+          <p:cNvPr id="2" name="Espace réservé de l'image des diapositives 1"/>
+          <p:cNvSpPr>
+            <a:spLocks noGrp="1" noRot="1" noChangeAspect="1"/>
+          </p:cNvSpPr>
+          <p:nvPr>
+            <p:ph type="sldImg"/>
+          </p:nvPr>
+        </p:nvSpPr>
+        <p:spPr/>
+      </p:sp>
+      <p:sp>
+        <p:nvSpPr>
+          <p:cNvPr id="3" name="Espace réservé des notes 2"/>
+          <p:cNvSpPr>
+            <a:spLocks noGrp="1"/>
+          </p:cNvSpPr>
+          <p:nvPr>
+            <p:ph type="body" idx="1"/>
+          </p:nvPr>
+        </p:nvSpPr>
+        <p:spPr/>
+        <p:txBody>
+          <a:bodyPr/>
+          <a:lstStyle/>
+          <a:p>
+            <a:endParaRPr lang="fr-FR" dirty="0"/>
+          </a:p>
+        </p:txBody>
+      </p:sp>
+      <p:sp>
+        <p:nvSpPr>
+          <p:cNvPr id="4" name="Espace réservé du numéro de diapositive 3"/>
+          <p:cNvSpPr>
+            <a:spLocks noGrp="1"/>
+          </p:cNvSpPr>
+          <p:nvPr>
+            <p:ph type="sldNum" sz="quarter" idx="10"/>
+          </p:nvPr>
+        </p:nvSpPr>
+        <p:spPr/>
+        <p:txBody>
+          <a:bodyPr/>
+          <a:lstStyle/>
+          <a:p>
+            <a:fld id="{36054685-8C3B-477A-BB38-CA03E66EC27B}" type="slidenum">
+              <a:rPr lang="fr-FR" smtClean="0"/>
+              <a:t>31</a:t>
+            </a:fld>
+            <a:endParaRPr lang="fr-FR"/>
+          </a:p>
+        </p:txBody>
+      </p:sp>
+    </p:spTree>
+    <p:extLst>
+      <p:ext uri="{BB962C8B-B14F-4D97-AF65-F5344CB8AC3E}">
+        <p14:creationId xmlns:p14="http://schemas.microsoft.com/office/powerpoint/2010/main" val="2360846938"/>
+      </p:ext>
+    </p:extLst>
+  </p:cSld>
+  <p:clrMapOvr>
+    <a:masterClrMapping/>
+  </p:clrMapOvr>
+</p:notes>
 </file>
 
 <file path=ppt/slideLayouts/slideLayout1.xml><?xml version="1.0" encoding="utf-8"?>
@@ -248,7 +1470,7 @@
           <a:p>
             <a:fld id="{5AA6A2E5-47F0-4E61-B657-B205C9A09C90}" type="datetimeFigureOut">
               <a:rPr lang="fr-FR" smtClean="0"/>
-              <a:t>28/06/2019</a:t>
+              <a:t>01/07/2019</a:t>
             </a:fld>
             <a:endParaRPr lang="fr-FR"/>
           </a:p>
@@ -418,7 +1640,7 @@
           <a:p>
             <a:fld id="{5AA6A2E5-47F0-4E61-B657-B205C9A09C90}" type="datetimeFigureOut">
               <a:rPr lang="fr-FR" smtClean="0"/>
-              <a:t>28/06/2019</a:t>
+              <a:t>01/07/2019</a:t>
             </a:fld>
             <a:endParaRPr lang="fr-FR"/>
           </a:p>
@@ -598,7 +1820,7 @@
           <a:p>
             <a:fld id="{5AA6A2E5-47F0-4E61-B657-B205C9A09C90}" type="datetimeFigureOut">
               <a:rPr lang="fr-FR" smtClean="0"/>
-              <a:t>28/06/2019</a:t>
+              <a:t>01/07/2019</a:t>
             </a:fld>
             <a:endParaRPr lang="fr-FR"/>
           </a:p>
@@ -768,7 +1990,7 @@
           <a:p>
             <a:fld id="{5AA6A2E5-47F0-4E61-B657-B205C9A09C90}" type="datetimeFigureOut">
               <a:rPr lang="fr-FR" smtClean="0"/>
-              <a:t>28/06/2019</a:t>
+              <a:t>01/07/2019</a:t>
             </a:fld>
             <a:endParaRPr lang="fr-FR"/>
           </a:p>
@@ -1014,7 +2236,7 @@
           <a:p>
             <a:fld id="{5AA6A2E5-47F0-4E61-B657-B205C9A09C90}" type="datetimeFigureOut">
               <a:rPr lang="fr-FR" smtClean="0"/>
-              <a:t>28/06/2019</a:t>
+              <a:t>01/07/2019</a:t>
             </a:fld>
             <a:endParaRPr lang="fr-FR"/>
           </a:p>
@@ -1246,7 +2468,7 @@
           <a:p>
             <a:fld id="{5AA6A2E5-47F0-4E61-B657-B205C9A09C90}" type="datetimeFigureOut">
               <a:rPr lang="fr-FR" smtClean="0"/>
-              <a:t>28/06/2019</a:t>
+              <a:t>01/07/2019</a:t>
             </a:fld>
             <a:endParaRPr lang="fr-FR"/>
           </a:p>
@@ -1613,7 +2835,7 @@
           <a:p>
             <a:fld id="{5AA6A2E5-47F0-4E61-B657-B205C9A09C90}" type="datetimeFigureOut">
               <a:rPr lang="fr-FR" smtClean="0"/>
-              <a:t>28/06/2019</a:t>
+              <a:t>01/07/2019</a:t>
             </a:fld>
             <a:endParaRPr lang="fr-FR"/>
           </a:p>
@@ -1731,7 +2953,7 @@
           <a:p>
             <a:fld id="{5AA6A2E5-47F0-4E61-B657-B205C9A09C90}" type="datetimeFigureOut">
               <a:rPr lang="fr-FR" smtClean="0"/>
-              <a:t>28/06/2019</a:t>
+              <a:t>01/07/2019</a:t>
             </a:fld>
             <a:endParaRPr lang="fr-FR"/>
           </a:p>
@@ -1826,7 +3048,7 @@
           <a:p>
             <a:fld id="{5AA6A2E5-47F0-4E61-B657-B205C9A09C90}" type="datetimeFigureOut">
               <a:rPr lang="fr-FR" smtClean="0"/>
-              <a:t>28/06/2019</a:t>
+              <a:t>01/07/2019</a:t>
             </a:fld>
             <a:endParaRPr lang="fr-FR"/>
           </a:p>
@@ -2103,7 +3325,7 @@
           <a:p>
             <a:fld id="{5AA6A2E5-47F0-4E61-B657-B205C9A09C90}" type="datetimeFigureOut">
               <a:rPr lang="fr-FR" smtClean="0"/>
-              <a:t>28/06/2019</a:t>
+              <a:t>01/07/2019</a:t>
             </a:fld>
             <a:endParaRPr lang="fr-FR"/>
           </a:p>
@@ -2356,7 +3578,7 @@
           <a:p>
             <a:fld id="{5AA6A2E5-47F0-4E61-B657-B205C9A09C90}" type="datetimeFigureOut">
               <a:rPr lang="fr-FR" smtClean="0"/>
-              <a:t>28/06/2019</a:t>
+              <a:t>01/07/2019</a:t>
             </a:fld>
             <a:endParaRPr lang="fr-FR"/>
           </a:p>
@@ -2569,7 +3791,7 @@
           <a:p>
             <a:fld id="{5AA6A2E5-47F0-4E61-B657-B205C9A09C90}" type="datetimeFigureOut">
               <a:rPr lang="fr-FR" smtClean="0"/>
-              <a:t>28/06/2019</a:t>
+              <a:t>01/07/2019</a:t>
             </a:fld>
             <a:endParaRPr lang="fr-FR"/>
           </a:p>
@@ -3147,11 +4369,7 @@
             </a:r>
             <a:r>
               <a:rPr lang="fr-FR" dirty="0" smtClean="0"/>
-              <a:t>(</a:t>
-            </a:r>
-            <a:r>
-              <a:rPr lang="fr-FR" dirty="0" smtClean="0"/>
-              <a:t>Mac ,Linux</a:t>
+              <a:t>(Mac ,Linux</a:t>
             </a:r>
             <a:r>
               <a:rPr lang="fr-FR" dirty="0"/>
@@ -3159,11 +4377,7 @@
             </a:r>
             <a:r>
               <a:rPr lang="fr-FR" dirty="0" smtClean="0"/>
-              <a:t>et </a:t>
-            </a:r>
-            <a:r>
-              <a:rPr lang="fr-FR" dirty="0" smtClean="0"/>
-              <a:t>Windows)</a:t>
+              <a:t>et Windows)</a:t>
             </a:r>
             <a:endParaRPr lang="fr-FR" dirty="0"/>
           </a:p>
@@ -3179,11 +4393,7 @@
             </a:pPr>
             <a:r>
               <a:rPr lang="fr-FR" dirty="0" smtClean="0"/>
-              <a:t>Chapitre 3: Commandes GIT</a:t>
-            </a:r>
-            <a:r>
-              <a:rPr lang="fr-FR" dirty="0" smtClean="0"/>
-              <a:t> </a:t>
+              <a:t>Chapitre 3: Commandes GIT </a:t>
             </a:r>
           </a:p>
           <a:p>
@@ -3285,7 +4495,6 @@
               <a:rPr lang="fr-FR" dirty="0"/>
               <a:t>$ git push [alias] [branche]</a:t>
             </a:r>
-            <a:endParaRPr lang="fr-FR" dirty="0"/>
           </a:p>
         </p:txBody>
       </p:sp>
@@ -3308,7 +4517,7 @@
         </p:spPr>
         <p:txBody>
           <a:bodyPr vert="horz" lIns="91440" tIns="45720" rIns="91440" bIns="45720" rtlCol="0" anchor="ctr">
-            <a:normAutofit fontScale="92500" lnSpcReduction="10000"/>
+            <a:normAutofit fontScale="55000" lnSpcReduction="20000"/>
           </a:bodyPr>
           <a:lstStyle>
             <a:lvl1pPr algn="l" defTabSz="914400" rtl="0" eaLnBrk="1" latinLnBrk="0" hangingPunct="1">
@@ -3329,6 +4538,19 @@
               </a:defRPr>
             </a:lvl1pPr>
           </a:lstStyle>
+          <a:p>
+            <a:pPr lvl="1">
+              <a:defRPr/>
+            </a:pPr>
+            <a:r>
+              <a:rPr lang="fr-FR" sz="4000" b="1" u="sng" dirty="0">
+                <a:latin typeface="+mj-lt"/>
+                <a:ea typeface="+mj-ea"/>
+                <a:cs typeface="+mj-cs"/>
+              </a:rPr>
+              <a:t>Chapitre 3: Commandes</a:t>
+            </a:r>
+          </a:p>
           <a:p>
             <a:pPr marL="457200" marR="0" lvl="1" indent="0" algn="l" defTabSz="914400" rtl="0" eaLnBrk="1" fontAlgn="auto" latinLnBrk="0" hangingPunct="1">
               <a:lnSpc>
@@ -3347,23 +4569,60 @@
               <a:tabLst/>
               <a:defRPr/>
             </a:pPr>
-            <a:r>
-              <a:rPr kumimoji="0" lang="fr-FR" sz="1800" b="0" i="0" u="none" strike="noStrike" kern="1200" cap="none" spc="0" normalizeH="0" baseline="0" noProof="0" dirty="0">
-                <a:ln>
-                  <a:noFill/>
-                </a:ln>
-                <a:solidFill>
-                  <a:prstClr val="black"/>
-                </a:solidFill>
-                <a:effectLst/>
-                <a:uLnTx/>
-                <a:uFillTx/>
-                <a:latin typeface="Calibri" panose="020F0502020204030204"/>
-                <a:ea typeface="+mn-ea"/>
-                <a:cs typeface="+mn-cs"/>
+            <a:endParaRPr kumimoji="0" lang="fr-FR" sz="1800" b="0" i="0" u="none" strike="noStrike" kern="1200" cap="none" spc="0" normalizeH="0" baseline="0" noProof="0" dirty="0" smtClean="0">
+              <a:ln>
+                <a:noFill/>
+              </a:ln>
+              <a:solidFill>
+                <a:prstClr val="black"/>
+              </a:solidFill>
+              <a:effectLst/>
+              <a:uLnTx/>
+              <a:uFillTx/>
+              <a:latin typeface="Calibri" panose="020F0502020204030204"/>
+              <a:ea typeface="+mn-ea"/>
+              <a:cs typeface="+mn-cs"/>
+            </a:endParaRPr>
+          </a:p>
+          <a:p>
+            <a:pPr marL="457200" marR="0" lvl="1" indent="0" algn="l" defTabSz="914400" rtl="0" eaLnBrk="1" fontAlgn="auto" latinLnBrk="0" hangingPunct="1">
+              <a:lnSpc>
+                <a:spcPct val="100000"/>
+              </a:lnSpc>
+              <a:spcBef>
+                <a:spcPts val="0"/>
+              </a:spcBef>
+              <a:spcAft>
+                <a:spcPts val="0"/>
+              </a:spcAft>
+              <a:buClrTx/>
+              <a:buSzTx/>
+              <a:buFontTx/>
+              <a:buNone/>
+              <a:tabLst/>
+              <a:defRPr/>
+            </a:pPr>
+            <a:r>
+              <a:rPr lang="fr-FR" sz="4500" u="sng" dirty="0">
+                <a:latin typeface="+mj-lt"/>
+                <a:ea typeface="+mj-ea"/>
+                <a:cs typeface="+mj-cs"/>
               </a:rPr>
-              <a:t>b. Organisation des différentes étapes pour transférer les données</a:t>
-            </a:r>
+              <a:t>b. Organisation des différentes étapes pour transférer les </a:t>
+            </a:r>
+            <a:r>
+              <a:rPr lang="fr-FR" sz="4500" u="sng" dirty="0" smtClean="0">
+                <a:latin typeface="+mj-lt"/>
+                <a:ea typeface="+mj-ea"/>
+                <a:cs typeface="+mj-cs"/>
+              </a:rPr>
+              <a:t>données (suite)</a:t>
+            </a:r>
+            <a:endParaRPr lang="fr-FR" sz="4500" u="sng" dirty="0">
+              <a:latin typeface="+mj-lt"/>
+              <a:ea typeface="+mj-ea"/>
+              <a:cs typeface="+mj-cs"/>
+            </a:endParaRPr>
           </a:p>
           <a:p>
             <a:pPr marL="0" marR="0" lvl="0" indent="0" algn="l" defTabSz="914400" rtl="0" eaLnBrk="1" fontAlgn="auto" latinLnBrk="0" hangingPunct="1">
@@ -3913,6 +5172,22 @@
             </a:lvl1pPr>
           </a:lstStyle>
           <a:p>
+            <a:pPr lvl="1">
+              <a:lnSpc>
+                <a:spcPct val="80000"/>
+              </a:lnSpc>
+              <a:defRPr/>
+            </a:pPr>
+            <a:r>
+              <a:rPr lang="fr-FR" sz="2200" b="1" u="sng" dirty="0">
+                <a:latin typeface="+mj-lt"/>
+                <a:ea typeface="+mj-ea"/>
+                <a:cs typeface="+mj-cs"/>
+              </a:rPr>
+              <a:t>Chapitre 3: Commandes</a:t>
+            </a:r>
+          </a:p>
+          <a:p>
             <a:pPr marL="457200" marR="0" lvl="1" indent="0" algn="l" defTabSz="914400" rtl="0" eaLnBrk="1" fontAlgn="auto" latinLnBrk="0" hangingPunct="1">
               <a:lnSpc>
                 <a:spcPct val="100000"/>
@@ -3931,19 +5206,10 @@
               <a:defRPr/>
             </a:pPr>
             <a:r>
-              <a:rPr kumimoji="0" lang="fr-FR" sz="1800" b="0" i="0" u="none" strike="noStrike" kern="1200" cap="none" spc="0" normalizeH="0" baseline="0" noProof="0" dirty="0" smtClean="0">
-                <a:ln>
-                  <a:noFill/>
-                </a:ln>
-                <a:solidFill>
-                  <a:prstClr val="black"/>
-                </a:solidFill>
-                <a:effectLst/>
-                <a:uLnTx/>
-                <a:uFillTx/>
-                <a:latin typeface="Calibri" panose="020F0502020204030204"/>
-                <a:ea typeface="+mn-ea"/>
-                <a:cs typeface="+mn-cs"/>
+              <a:rPr lang="fr-FR" sz="2500" u="sng" dirty="0">
+                <a:latin typeface="+mj-lt"/>
+                <a:ea typeface="+mj-ea"/>
+                <a:cs typeface="+mj-cs"/>
               </a:rPr>
               <a:t>C. Les branches</a:t>
             </a:r>
@@ -4864,6 +6130,1028 @@
     <p:extLst>
       <p:ext uri="{BB962C8B-B14F-4D97-AF65-F5344CB8AC3E}">
         <p14:creationId xmlns:p14="http://schemas.microsoft.com/office/powerpoint/2010/main" val="2101584924"/>
+      </p:ext>
+    </p:extLst>
+  </p:cSld>
+  <p:clrMapOvr>
+    <a:masterClrMapping/>
+  </p:clrMapOvr>
+</p:sld>
+</file>
+
+<file path=ppt/slides/slide12.xml><?xml version="1.0" encoding="utf-8"?>
+<p:sld xmlns:a="http://schemas.openxmlformats.org/drawingml/2006/main" xmlns:r="http://schemas.openxmlformats.org/officeDocument/2006/relationships" xmlns:p="http://schemas.openxmlformats.org/presentationml/2006/main">
+  <p:cSld>
+    <p:spTree>
+      <p:nvGrpSpPr>
+        <p:cNvPr id="1" name=""/>
+        <p:cNvGrpSpPr/>
+        <p:nvPr/>
+      </p:nvGrpSpPr>
+      <p:grpSpPr>
+        <a:xfrm>
+          <a:off x="0" y="0"/>
+          <a:ext cx="0" cy="0"/>
+          <a:chOff x="0" y="0"/>
+          <a:chExt cx="0" cy="0"/>
+        </a:xfrm>
+      </p:grpSpPr>
+      <p:sp>
+        <p:nvSpPr>
+          <p:cNvPr id="5" name="Titre 1"/>
+          <p:cNvSpPr txBox="1">
+            <a:spLocks/>
+          </p:cNvSpPr>
+          <p:nvPr/>
+        </p:nvSpPr>
+        <p:spPr>
+          <a:xfrm>
+            <a:off x="405881" y="327086"/>
+            <a:ext cx="10515600" cy="1325563"/>
+          </a:xfrm>
+          <a:prstGeom prst="rect">
+            <a:avLst/>
+          </a:prstGeom>
+        </p:spPr>
+        <p:txBody>
+          <a:bodyPr vert="horz" lIns="91440" tIns="45720" rIns="91440" bIns="45720" rtlCol="0" anchor="ctr">
+            <a:normAutofit/>
+          </a:bodyPr>
+          <a:lstStyle>
+            <a:lvl1pPr algn="l" defTabSz="914400" rtl="0" eaLnBrk="1" latinLnBrk="0" hangingPunct="1">
+              <a:lnSpc>
+                <a:spcPct val="90000"/>
+              </a:lnSpc>
+              <a:spcBef>
+                <a:spcPct val="0"/>
+              </a:spcBef>
+              <a:buNone/>
+              <a:defRPr sz="4400" kern="1200">
+                <a:solidFill>
+                  <a:schemeClr val="tx1"/>
+                </a:solidFill>
+                <a:latin typeface="+mj-lt"/>
+                <a:ea typeface="+mj-ea"/>
+                <a:cs typeface="+mj-cs"/>
+              </a:defRPr>
+            </a:lvl1pPr>
+          </a:lstStyle>
+          <a:p>
+            <a:pPr marL="457200" marR="0" lvl="1" indent="0" algn="l" defTabSz="914400" rtl="0" eaLnBrk="1" fontAlgn="auto" latinLnBrk="0" hangingPunct="1">
+              <a:lnSpc>
+                <a:spcPct val="100000"/>
+              </a:lnSpc>
+              <a:spcBef>
+                <a:spcPts val="0"/>
+              </a:spcBef>
+              <a:spcAft>
+                <a:spcPts val="0"/>
+              </a:spcAft>
+              <a:buClrTx/>
+              <a:buSzTx/>
+              <a:buFontTx/>
+              <a:buNone/>
+              <a:tabLst/>
+              <a:defRPr/>
+            </a:pPr>
+            <a:endParaRPr kumimoji="0" lang="fr-FR" sz="1800" b="0" i="0" u="none" strike="noStrike" kern="1200" cap="none" spc="0" normalizeH="0" baseline="0" noProof="0" dirty="0" smtClean="0">
+              <a:ln>
+                <a:noFill/>
+              </a:ln>
+              <a:solidFill>
+                <a:prstClr val="black"/>
+              </a:solidFill>
+              <a:effectLst/>
+              <a:uLnTx/>
+              <a:uFillTx/>
+              <a:latin typeface="Calibri" panose="020F0502020204030204"/>
+              <a:ea typeface="+mn-ea"/>
+              <a:cs typeface="+mn-cs"/>
+            </a:endParaRPr>
+          </a:p>
+        </p:txBody>
+      </p:sp>
+      <p:sp>
+        <p:nvSpPr>
+          <p:cNvPr id="4" name="Espace réservé du contenu 3"/>
+          <p:cNvSpPr>
+            <a:spLocks noGrp="1"/>
+          </p:cNvSpPr>
+          <p:nvPr>
+            <p:ph idx="1"/>
+          </p:nvPr>
+        </p:nvSpPr>
+        <p:spPr>
+          <a:xfrm>
+            <a:off x="838200" y="266007"/>
+            <a:ext cx="10515600" cy="5910956"/>
+          </a:xfrm>
+        </p:spPr>
+        <p:txBody>
+          <a:bodyPr>
+            <a:normAutofit/>
+          </a:bodyPr>
+          <a:lstStyle/>
+          <a:p>
+            <a:pPr marL="0" indent="0" algn="ctr">
+              <a:buNone/>
+            </a:pPr>
+            <a:r>
+              <a:rPr lang="fr-FR" sz="3600" u="sng" dirty="0" smtClean="0"/>
+              <a:t>QUIZZ</a:t>
+            </a:r>
+          </a:p>
+          <a:p>
+            <a:pPr marL="0" indent="0" algn="ctr">
+              <a:buNone/>
+            </a:pPr>
+            <a:endParaRPr lang="fr-FR" sz="3600" u="sng" dirty="0"/>
+          </a:p>
+          <a:p>
+            <a:pPr marL="742950" indent="-742950">
+              <a:buAutoNum type="arabicParenR"/>
+            </a:pPr>
+            <a:r>
+              <a:rPr lang="fr-FR" sz="3600" dirty="0" smtClean="0"/>
+              <a:t>Quelle </a:t>
+            </a:r>
+            <a:r>
+              <a:rPr lang="fr-FR" sz="3600" dirty="0"/>
+              <a:t>commande de Git permet de voir l'historique de ses modifications </a:t>
+            </a:r>
+            <a:r>
+              <a:rPr lang="fr-FR" sz="3600" dirty="0" smtClean="0"/>
+              <a:t>?</a:t>
+            </a:r>
+            <a:endParaRPr lang="fr-FR" sz="3600" dirty="0"/>
+          </a:p>
+          <a:p>
+            <a:r>
+              <a:rPr lang="fr-FR" sz="3600" dirty="0"/>
+              <a:t>commit</a:t>
+            </a:r>
+          </a:p>
+          <a:p>
+            <a:r>
+              <a:rPr lang="fr-FR" sz="3600" dirty="0">
+                <a:solidFill>
+                  <a:srgbClr val="00B050"/>
+                </a:solidFill>
+              </a:rPr>
+              <a:t>log</a:t>
+            </a:r>
+          </a:p>
+          <a:p>
+            <a:r>
+              <a:rPr lang="fr-FR" sz="3600" dirty="0" err="1"/>
+              <a:t>diff</a:t>
+            </a:r>
+            <a:endParaRPr lang="fr-FR" sz="3600" dirty="0"/>
+          </a:p>
+          <a:p>
+            <a:r>
+              <a:rPr lang="fr-FR" sz="3600" dirty="0" err="1"/>
+              <a:t>hist</a:t>
+            </a:r>
+            <a:endParaRPr lang="fr-FR" sz="3600" dirty="0"/>
+          </a:p>
+        </p:txBody>
+      </p:sp>
+    </p:spTree>
+    <p:extLst>
+      <p:ext uri="{BB962C8B-B14F-4D97-AF65-F5344CB8AC3E}">
+        <p14:creationId xmlns:p14="http://schemas.microsoft.com/office/powerpoint/2010/main" val="4041363061"/>
+      </p:ext>
+    </p:extLst>
+  </p:cSld>
+  <p:clrMapOvr>
+    <a:masterClrMapping/>
+  </p:clrMapOvr>
+</p:sld>
+</file>
+
+<file path=ppt/slides/slide13.xml><?xml version="1.0" encoding="utf-8"?>
+<p:sld xmlns:a="http://schemas.openxmlformats.org/drawingml/2006/main" xmlns:r="http://schemas.openxmlformats.org/officeDocument/2006/relationships" xmlns:p="http://schemas.openxmlformats.org/presentationml/2006/main">
+  <p:cSld>
+    <p:spTree>
+      <p:nvGrpSpPr>
+        <p:cNvPr id="1" name=""/>
+        <p:cNvGrpSpPr/>
+        <p:nvPr/>
+      </p:nvGrpSpPr>
+      <p:grpSpPr>
+        <a:xfrm>
+          <a:off x="0" y="0"/>
+          <a:ext cx="0" cy="0"/>
+          <a:chOff x="0" y="0"/>
+          <a:chExt cx="0" cy="0"/>
+        </a:xfrm>
+      </p:grpSpPr>
+      <p:sp>
+        <p:nvSpPr>
+          <p:cNvPr id="3" name="Espace réservé du contenu 2"/>
+          <p:cNvSpPr>
+            <a:spLocks noGrp="1"/>
+          </p:cNvSpPr>
+          <p:nvPr>
+            <p:ph idx="1"/>
+          </p:nvPr>
+        </p:nvSpPr>
+        <p:spPr>
+          <a:xfrm>
+            <a:off x="838200" y="415636"/>
+            <a:ext cx="10515600" cy="5761327"/>
+          </a:xfrm>
+        </p:spPr>
+        <p:txBody>
+          <a:bodyPr/>
+          <a:lstStyle/>
+          <a:p>
+            <a:pPr marL="0" indent="0">
+              <a:buNone/>
+            </a:pPr>
+            <a:r>
+              <a:rPr lang="fr-FR" sz="3600" dirty="0" smtClean="0"/>
+              <a:t>2) Quelle </a:t>
+            </a:r>
+            <a:r>
+              <a:rPr lang="fr-FR" sz="3600" dirty="0"/>
+              <a:t>est la commande de Git qui permet de se positionner sur un ancien commit </a:t>
+            </a:r>
+            <a:r>
+              <a:rPr lang="fr-FR" sz="3600" dirty="0"/>
+              <a:t>?</a:t>
+            </a:r>
+          </a:p>
+          <a:p>
+            <a:endParaRPr lang="fr-FR" sz="3600" dirty="0"/>
+          </a:p>
+          <a:p>
+            <a:r>
+              <a:rPr lang="fr-FR" sz="3600" dirty="0" err="1"/>
+              <a:t>revert</a:t>
+            </a:r>
+            <a:endParaRPr lang="fr-FR" sz="3600" dirty="0"/>
+          </a:p>
+          <a:p>
+            <a:r>
+              <a:rPr lang="fr-FR" sz="3600" dirty="0" err="1">
+                <a:solidFill>
+                  <a:srgbClr val="00B050"/>
+                </a:solidFill>
+              </a:rPr>
+              <a:t>checkout</a:t>
+            </a:r>
+            <a:endParaRPr lang="fr-FR" sz="3600" dirty="0">
+              <a:solidFill>
+                <a:srgbClr val="00B050"/>
+              </a:solidFill>
+            </a:endParaRPr>
+          </a:p>
+          <a:p>
+            <a:r>
+              <a:rPr lang="fr-FR" sz="3600" dirty="0"/>
+              <a:t>log</a:t>
+            </a:r>
+          </a:p>
+          <a:p>
+            <a:r>
+              <a:rPr lang="fr-FR" sz="3600" dirty="0"/>
+              <a:t>commit</a:t>
+            </a:r>
+          </a:p>
+          <a:p>
+            <a:endParaRPr lang="fr-FR" dirty="0"/>
+          </a:p>
+        </p:txBody>
+      </p:sp>
+    </p:spTree>
+    <p:extLst>
+      <p:ext uri="{BB962C8B-B14F-4D97-AF65-F5344CB8AC3E}">
+        <p14:creationId xmlns:p14="http://schemas.microsoft.com/office/powerpoint/2010/main" val="2960269484"/>
+      </p:ext>
+    </p:extLst>
+  </p:cSld>
+  <p:clrMapOvr>
+    <a:masterClrMapping/>
+  </p:clrMapOvr>
+</p:sld>
+</file>
+
+<file path=ppt/slides/slide14.xml><?xml version="1.0" encoding="utf-8"?>
+<p:sld xmlns:a="http://schemas.openxmlformats.org/drawingml/2006/main" xmlns:r="http://schemas.openxmlformats.org/officeDocument/2006/relationships" xmlns:p="http://schemas.openxmlformats.org/presentationml/2006/main">
+  <p:cSld>
+    <p:spTree>
+      <p:nvGrpSpPr>
+        <p:cNvPr id="1" name=""/>
+        <p:cNvGrpSpPr/>
+        <p:nvPr/>
+      </p:nvGrpSpPr>
+      <p:grpSpPr>
+        <a:xfrm>
+          <a:off x="0" y="0"/>
+          <a:ext cx="0" cy="0"/>
+          <a:chOff x="0" y="0"/>
+          <a:chExt cx="0" cy="0"/>
+        </a:xfrm>
+      </p:grpSpPr>
+      <p:sp>
+        <p:nvSpPr>
+          <p:cNvPr id="3" name="Espace réservé du contenu 2"/>
+          <p:cNvSpPr>
+            <a:spLocks noGrp="1"/>
+          </p:cNvSpPr>
+          <p:nvPr>
+            <p:ph idx="1"/>
+          </p:nvPr>
+        </p:nvSpPr>
+        <p:spPr>
+          <a:xfrm>
+            <a:off x="838200" y="415636"/>
+            <a:ext cx="10515600" cy="5761327"/>
+          </a:xfrm>
+        </p:spPr>
+        <p:txBody>
+          <a:bodyPr/>
+          <a:lstStyle/>
+          <a:p>
+            <a:pPr marL="0" indent="0">
+              <a:buNone/>
+            </a:pPr>
+            <a:r>
+              <a:rPr lang="fr-FR" sz="3600" dirty="0" smtClean="0"/>
+              <a:t>3) Git </a:t>
+            </a:r>
+            <a:r>
+              <a:rPr lang="fr-FR" sz="3600" dirty="0"/>
+              <a:t>est un système</a:t>
+            </a:r>
+            <a:r>
+              <a:rPr lang="fr-FR" sz="3600" dirty="0" smtClean="0"/>
+              <a:t>...</a:t>
+            </a:r>
+          </a:p>
+          <a:p>
+            <a:pPr marL="0" indent="0">
+              <a:buNone/>
+            </a:pPr>
+            <a:endParaRPr lang="fr-FR" sz="3600" dirty="0"/>
+          </a:p>
+          <a:p>
+            <a:r>
+              <a:rPr lang="fr-FR" sz="3600" dirty="0">
+                <a:solidFill>
+                  <a:srgbClr val="00B050"/>
+                </a:solidFill>
+              </a:rPr>
+              <a:t>Distribué</a:t>
+            </a:r>
+          </a:p>
+          <a:p>
+            <a:r>
+              <a:rPr lang="fr-FR" sz="3600" dirty="0"/>
+              <a:t>Centralisé</a:t>
+            </a:r>
+          </a:p>
+          <a:p>
+            <a:r>
+              <a:rPr lang="fr-FR" sz="3600" dirty="0"/>
+              <a:t>Localisé</a:t>
+            </a:r>
+          </a:p>
+          <a:p>
+            <a:r>
+              <a:rPr lang="fr-FR" sz="3600" dirty="0"/>
+              <a:t>Délocalisé</a:t>
+            </a:r>
+          </a:p>
+          <a:p>
+            <a:endParaRPr lang="fr-FR" dirty="0"/>
+          </a:p>
+        </p:txBody>
+      </p:sp>
+    </p:spTree>
+    <p:extLst>
+      <p:ext uri="{BB962C8B-B14F-4D97-AF65-F5344CB8AC3E}">
+        <p14:creationId xmlns:p14="http://schemas.microsoft.com/office/powerpoint/2010/main" val="2511480074"/>
+      </p:ext>
+    </p:extLst>
+  </p:cSld>
+  <p:clrMapOvr>
+    <a:masterClrMapping/>
+  </p:clrMapOvr>
+</p:sld>
+</file>
+
+<file path=ppt/slides/slide15.xml><?xml version="1.0" encoding="utf-8"?>
+<p:sld xmlns:a="http://schemas.openxmlformats.org/drawingml/2006/main" xmlns:r="http://schemas.openxmlformats.org/officeDocument/2006/relationships" xmlns:p="http://schemas.openxmlformats.org/presentationml/2006/main">
+  <p:cSld>
+    <p:spTree>
+      <p:nvGrpSpPr>
+        <p:cNvPr id="1" name=""/>
+        <p:cNvGrpSpPr/>
+        <p:nvPr/>
+      </p:nvGrpSpPr>
+      <p:grpSpPr>
+        <a:xfrm>
+          <a:off x="0" y="0"/>
+          <a:ext cx="0" cy="0"/>
+          <a:chOff x="0" y="0"/>
+          <a:chExt cx="0" cy="0"/>
+        </a:xfrm>
+      </p:grpSpPr>
+      <p:sp>
+        <p:nvSpPr>
+          <p:cNvPr id="3" name="Espace réservé du contenu 2"/>
+          <p:cNvSpPr>
+            <a:spLocks noGrp="1"/>
+          </p:cNvSpPr>
+          <p:nvPr>
+            <p:ph idx="1"/>
+          </p:nvPr>
+        </p:nvSpPr>
+        <p:spPr>
+          <a:xfrm>
+            <a:off x="838200" y="415636"/>
+            <a:ext cx="10515600" cy="5761327"/>
+          </a:xfrm>
+        </p:spPr>
+        <p:txBody>
+          <a:bodyPr/>
+          <a:lstStyle/>
+          <a:p>
+            <a:pPr marL="0" indent="0">
+              <a:buNone/>
+            </a:pPr>
+            <a:r>
+              <a:rPr lang="fr-FR" sz="3600" dirty="0" smtClean="0"/>
+              <a:t>4) Quelle </a:t>
+            </a:r>
+            <a:r>
+              <a:rPr lang="fr-FR" sz="3600" dirty="0"/>
+              <a:t>est une des raisons pour lesquelles Git est plus rapide que des systèmes comme SVN </a:t>
+            </a:r>
+            <a:r>
+              <a:rPr lang="fr-FR" sz="3600" dirty="0" smtClean="0"/>
+              <a:t>?</a:t>
+            </a:r>
+          </a:p>
+          <a:p>
+            <a:pPr marL="0" indent="0">
+              <a:buNone/>
+            </a:pPr>
+            <a:endParaRPr lang="fr-FR" sz="3600" dirty="0">
+              <a:solidFill>
+                <a:srgbClr val="00B050"/>
+              </a:solidFill>
+            </a:endParaRPr>
+          </a:p>
+          <a:p>
+            <a:r>
+              <a:rPr lang="fr-FR" sz="3600" dirty="0">
+                <a:solidFill>
+                  <a:srgbClr val="00B050"/>
+                </a:solidFill>
+              </a:rPr>
+              <a:t>L'historique du code est en local.</a:t>
+            </a:r>
+          </a:p>
+          <a:p>
+            <a:r>
+              <a:rPr lang="fr-FR" sz="3600" dirty="0"/>
+              <a:t>L'historique du code est sur le cloud.</a:t>
+            </a:r>
+          </a:p>
+          <a:p>
+            <a:r>
+              <a:rPr lang="fr-FR" sz="3600" dirty="0"/>
+              <a:t>L'historique du code n'est pas utilisé entièrement.</a:t>
+            </a:r>
+          </a:p>
+          <a:p>
+            <a:r>
+              <a:rPr lang="fr-FR" sz="3600" dirty="0"/>
+              <a:t>L'historique du code est sur plusieurs machines.</a:t>
+            </a:r>
+          </a:p>
+          <a:p>
+            <a:endParaRPr lang="fr-FR" dirty="0"/>
+          </a:p>
+        </p:txBody>
+      </p:sp>
+    </p:spTree>
+    <p:extLst>
+      <p:ext uri="{BB962C8B-B14F-4D97-AF65-F5344CB8AC3E}">
+        <p14:creationId xmlns:p14="http://schemas.microsoft.com/office/powerpoint/2010/main" val="3068097077"/>
+      </p:ext>
+    </p:extLst>
+  </p:cSld>
+  <p:clrMapOvr>
+    <a:masterClrMapping/>
+  </p:clrMapOvr>
+</p:sld>
+</file>
+
+<file path=ppt/slides/slide16.xml><?xml version="1.0" encoding="utf-8"?>
+<p:sld xmlns:a="http://schemas.openxmlformats.org/drawingml/2006/main" xmlns:r="http://schemas.openxmlformats.org/officeDocument/2006/relationships" xmlns:p="http://schemas.openxmlformats.org/presentationml/2006/main">
+  <p:cSld>
+    <p:spTree>
+      <p:nvGrpSpPr>
+        <p:cNvPr id="1" name=""/>
+        <p:cNvGrpSpPr/>
+        <p:nvPr/>
+      </p:nvGrpSpPr>
+      <p:grpSpPr>
+        <a:xfrm>
+          <a:off x="0" y="0"/>
+          <a:ext cx="0" cy="0"/>
+          <a:chOff x="0" y="0"/>
+          <a:chExt cx="0" cy="0"/>
+        </a:xfrm>
+      </p:grpSpPr>
+      <p:sp>
+        <p:nvSpPr>
+          <p:cNvPr id="3" name="Espace réservé du contenu 2"/>
+          <p:cNvSpPr>
+            <a:spLocks noGrp="1"/>
+          </p:cNvSpPr>
+          <p:nvPr>
+            <p:ph idx="1"/>
+          </p:nvPr>
+        </p:nvSpPr>
+        <p:spPr>
+          <a:xfrm>
+            <a:off x="838200" y="415636"/>
+            <a:ext cx="10515600" cy="5761327"/>
+          </a:xfrm>
+        </p:spPr>
+        <p:txBody>
+          <a:bodyPr/>
+          <a:lstStyle/>
+          <a:p>
+            <a:pPr marL="0" indent="0">
+              <a:buNone/>
+            </a:pPr>
+            <a:r>
+              <a:rPr lang="fr-FR" sz="3600" dirty="0" smtClean="0"/>
+              <a:t>5) Le </a:t>
+            </a:r>
+            <a:r>
+              <a:rPr lang="fr-FR" sz="3600" dirty="0"/>
+              <a:t>créateur de Git est également le créateur de </a:t>
+            </a:r>
+            <a:r>
+              <a:rPr lang="fr-FR" sz="3600" dirty="0" smtClean="0"/>
+              <a:t>:</a:t>
+            </a:r>
+          </a:p>
+          <a:p>
+            <a:endParaRPr lang="fr-FR" sz="3600" dirty="0"/>
+          </a:p>
+          <a:p>
+            <a:r>
+              <a:rPr lang="fr-FR" sz="3600" dirty="0"/>
+              <a:t>SVN</a:t>
+            </a:r>
+          </a:p>
+          <a:p>
+            <a:r>
+              <a:rPr lang="fr-FR" sz="3600" dirty="0">
+                <a:solidFill>
+                  <a:srgbClr val="00B050"/>
+                </a:solidFill>
+              </a:rPr>
+              <a:t>Linux</a:t>
+            </a:r>
+          </a:p>
+          <a:p>
+            <a:r>
+              <a:rPr lang="fr-FR" sz="3600" dirty="0"/>
+              <a:t>Windows</a:t>
+            </a:r>
+          </a:p>
+          <a:p>
+            <a:r>
+              <a:rPr lang="fr-FR" sz="3600" dirty="0" err="1"/>
+              <a:t>Mercurial</a:t>
+            </a:r>
+            <a:endParaRPr lang="fr-FR" sz="3600" dirty="0"/>
+          </a:p>
+          <a:p>
+            <a:endParaRPr lang="fr-FR" dirty="0"/>
+          </a:p>
+        </p:txBody>
+      </p:sp>
+    </p:spTree>
+    <p:extLst>
+      <p:ext uri="{BB962C8B-B14F-4D97-AF65-F5344CB8AC3E}">
+        <p14:creationId xmlns:p14="http://schemas.microsoft.com/office/powerpoint/2010/main" val="3651098512"/>
+      </p:ext>
+    </p:extLst>
+  </p:cSld>
+  <p:clrMapOvr>
+    <a:masterClrMapping/>
+  </p:clrMapOvr>
+</p:sld>
+</file>
+
+<file path=ppt/slides/slide17.xml><?xml version="1.0" encoding="utf-8"?>
+<p:sld xmlns:a="http://schemas.openxmlformats.org/drawingml/2006/main" xmlns:r="http://schemas.openxmlformats.org/officeDocument/2006/relationships" xmlns:p="http://schemas.openxmlformats.org/presentationml/2006/main">
+  <p:cSld>
+    <p:spTree>
+      <p:nvGrpSpPr>
+        <p:cNvPr id="1" name=""/>
+        <p:cNvGrpSpPr/>
+        <p:nvPr/>
+      </p:nvGrpSpPr>
+      <p:grpSpPr>
+        <a:xfrm>
+          <a:off x="0" y="0"/>
+          <a:ext cx="0" cy="0"/>
+          <a:chOff x="0" y="0"/>
+          <a:chExt cx="0" cy="0"/>
+        </a:xfrm>
+      </p:grpSpPr>
+      <p:sp>
+        <p:nvSpPr>
+          <p:cNvPr id="3" name="Espace réservé du contenu 2"/>
+          <p:cNvSpPr>
+            <a:spLocks noGrp="1"/>
+          </p:cNvSpPr>
+          <p:nvPr>
+            <p:ph idx="1"/>
+          </p:nvPr>
+        </p:nvSpPr>
+        <p:spPr>
+          <a:xfrm>
+            <a:off x="838200" y="415636"/>
+            <a:ext cx="10515600" cy="5761327"/>
+          </a:xfrm>
+        </p:spPr>
+        <p:txBody>
+          <a:bodyPr/>
+          <a:lstStyle/>
+          <a:p>
+            <a:pPr marL="0" indent="0">
+              <a:buNone/>
+            </a:pPr>
+            <a:r>
+              <a:rPr lang="fr-FR" sz="3600" dirty="0" smtClean="0"/>
+              <a:t>6) </a:t>
+            </a:r>
+            <a:r>
+              <a:rPr lang="fr-FR" sz="3600" dirty="0" err="1" smtClean="0"/>
+              <a:t>Versionner</a:t>
+            </a:r>
+            <a:r>
+              <a:rPr lang="fr-FR" sz="3600" dirty="0" smtClean="0"/>
+              <a:t> </a:t>
+            </a:r>
+            <a:r>
+              <a:rPr lang="fr-FR" sz="3600" dirty="0"/>
+              <a:t>son code ne permet pas de</a:t>
+            </a:r>
+            <a:r>
+              <a:rPr lang="fr-FR" sz="3600" dirty="0" smtClean="0"/>
+              <a:t>...</a:t>
+            </a:r>
+          </a:p>
+          <a:p>
+            <a:pPr marL="0" indent="0">
+              <a:buNone/>
+            </a:pPr>
+            <a:endParaRPr lang="fr-FR" sz="3600" dirty="0"/>
+          </a:p>
+          <a:p>
+            <a:r>
+              <a:rPr lang="fr-FR" sz="3600" dirty="0"/>
+              <a:t>Travailler en équipe sur un même projet</a:t>
+            </a:r>
+          </a:p>
+          <a:p>
+            <a:r>
+              <a:rPr lang="fr-FR" sz="3600" dirty="0"/>
+              <a:t>Avoir une liste des modifications effectuées sur le code</a:t>
+            </a:r>
+          </a:p>
+          <a:p>
+            <a:r>
+              <a:rPr lang="fr-FR" sz="3600" dirty="0">
+                <a:solidFill>
+                  <a:srgbClr val="00B050"/>
+                </a:solidFill>
+              </a:rPr>
+              <a:t>Vérifier automatiquement la validité du code écrit par un autre développeur</a:t>
+            </a:r>
+          </a:p>
+          <a:p>
+            <a:r>
+              <a:rPr lang="fr-FR" sz="3600" dirty="0"/>
+              <a:t>Savoir qui a écrit quelle ligne de code</a:t>
+            </a:r>
+          </a:p>
+          <a:p>
+            <a:endParaRPr lang="fr-FR" dirty="0"/>
+          </a:p>
+        </p:txBody>
+      </p:sp>
+    </p:spTree>
+    <p:extLst>
+      <p:ext uri="{BB962C8B-B14F-4D97-AF65-F5344CB8AC3E}">
+        <p14:creationId xmlns:p14="http://schemas.microsoft.com/office/powerpoint/2010/main" val="1559827341"/>
+      </p:ext>
+    </p:extLst>
+  </p:cSld>
+  <p:clrMapOvr>
+    <a:masterClrMapping/>
+  </p:clrMapOvr>
+</p:sld>
+</file>
+
+<file path=ppt/slides/slide18.xml><?xml version="1.0" encoding="utf-8"?>
+<p:sld xmlns:a="http://schemas.openxmlformats.org/drawingml/2006/main" xmlns:r="http://schemas.openxmlformats.org/officeDocument/2006/relationships" xmlns:p="http://schemas.openxmlformats.org/presentationml/2006/main">
+  <p:cSld>
+    <p:spTree>
+      <p:nvGrpSpPr>
+        <p:cNvPr id="1" name=""/>
+        <p:cNvGrpSpPr/>
+        <p:nvPr/>
+      </p:nvGrpSpPr>
+      <p:grpSpPr>
+        <a:xfrm>
+          <a:off x="0" y="0"/>
+          <a:ext cx="0" cy="0"/>
+          <a:chOff x="0" y="0"/>
+          <a:chExt cx="0" cy="0"/>
+        </a:xfrm>
+      </p:grpSpPr>
+      <p:sp>
+        <p:nvSpPr>
+          <p:cNvPr id="3" name="Espace réservé du contenu 2"/>
+          <p:cNvSpPr>
+            <a:spLocks noGrp="1"/>
+          </p:cNvSpPr>
+          <p:nvPr>
+            <p:ph idx="1"/>
+          </p:nvPr>
+        </p:nvSpPr>
+        <p:spPr>
+          <a:xfrm>
+            <a:off x="838200" y="415636"/>
+            <a:ext cx="10515600" cy="5761327"/>
+          </a:xfrm>
+        </p:spPr>
+        <p:txBody>
+          <a:bodyPr/>
+          <a:lstStyle/>
+          <a:p>
+            <a:pPr marL="0" indent="0">
+              <a:buNone/>
+            </a:pPr>
+            <a:endParaRPr lang="fr-FR" dirty="0" smtClean="0"/>
+          </a:p>
+          <a:p>
+            <a:pPr marL="0" indent="0">
+              <a:buNone/>
+            </a:pPr>
+            <a:r>
+              <a:rPr lang="fr-FR" dirty="0"/>
+              <a:t> </a:t>
+            </a:r>
+            <a:r>
+              <a:rPr lang="fr-FR" dirty="0" smtClean="0"/>
+              <a:t>                                                                    </a:t>
+            </a:r>
+            <a:r>
+              <a:rPr lang="fr-FR" dirty="0"/>
+              <a:t>qu'est-ce que cela signifie ?</a:t>
+            </a:r>
+          </a:p>
+          <a:p>
+            <a:pPr marL="0" indent="0">
+              <a:buNone/>
+            </a:pPr>
+            <a:endParaRPr lang="fr-FR" dirty="0" smtClean="0"/>
+          </a:p>
+          <a:p>
+            <a:pPr marL="0" indent="0">
+              <a:buNone/>
+            </a:pPr>
+            <a:endParaRPr lang="fr-FR" dirty="0"/>
+          </a:p>
+          <a:p>
+            <a:r>
+              <a:rPr lang="fr-FR" dirty="0" smtClean="0"/>
+              <a:t>Il </a:t>
+            </a:r>
+            <a:r>
+              <a:rPr lang="fr-FR" dirty="0"/>
+              <a:t>n'y a rien dans le dossier.</a:t>
+            </a:r>
+          </a:p>
+          <a:p>
+            <a:r>
+              <a:rPr lang="fr-FR" dirty="0"/>
+              <a:t>Git n'est pas initialisé.</a:t>
+            </a:r>
+          </a:p>
+          <a:p>
+            <a:r>
+              <a:rPr lang="fr-FR" dirty="0">
+                <a:solidFill>
+                  <a:srgbClr val="00B050"/>
+                </a:solidFill>
+              </a:rPr>
+              <a:t>Il existe des fichiers qui ne sont pas ajoutés à l'index.</a:t>
+            </a:r>
+          </a:p>
+          <a:p>
+            <a:r>
+              <a:rPr lang="fr-FR" dirty="0"/>
+              <a:t>Il faut effectuer un commit</a:t>
+            </a:r>
+          </a:p>
+          <a:p>
+            <a:endParaRPr lang="fr-FR" dirty="0"/>
+          </a:p>
+        </p:txBody>
+      </p:sp>
+      <p:pic>
+        <p:nvPicPr>
+          <p:cNvPr id="13" name="Image 12"/>
+          <p:cNvPicPr>
+            <a:picLocks noChangeAspect="1"/>
+          </p:cNvPicPr>
+          <p:nvPr/>
+        </p:nvPicPr>
+        <p:blipFill>
+          <a:blip r:embed="rId2"/>
+          <a:stretch>
+            <a:fillRect/>
+          </a:stretch>
+        </p:blipFill>
+        <p:spPr>
+          <a:xfrm>
+            <a:off x="1037706" y="499283"/>
+            <a:ext cx="5476875" cy="971550"/>
+          </a:xfrm>
+          <a:prstGeom prst="rect">
+            <a:avLst/>
+          </a:prstGeom>
+        </p:spPr>
+      </p:pic>
+      <p:sp>
+        <p:nvSpPr>
+          <p:cNvPr id="14" name="ZoneTexte 13"/>
+          <p:cNvSpPr txBox="1"/>
+          <p:nvPr/>
+        </p:nvSpPr>
+        <p:spPr>
+          <a:xfrm>
+            <a:off x="407324" y="623455"/>
+            <a:ext cx="630382" cy="646331"/>
+          </a:xfrm>
+          <a:prstGeom prst="rect">
+            <a:avLst/>
+          </a:prstGeom>
+          <a:noFill/>
+        </p:spPr>
+        <p:txBody>
+          <a:bodyPr wrap="square" rtlCol="0">
+            <a:spAutoFit/>
+          </a:bodyPr>
+          <a:lstStyle/>
+          <a:p>
+            <a:r>
+              <a:rPr lang="fr-FR" sz="3600" dirty="0"/>
+              <a:t>7)</a:t>
+            </a:r>
+            <a:endParaRPr lang="fr-FR" sz="3600" dirty="0"/>
+          </a:p>
+        </p:txBody>
+      </p:sp>
+    </p:spTree>
+    <p:extLst>
+      <p:ext uri="{BB962C8B-B14F-4D97-AF65-F5344CB8AC3E}">
+        <p14:creationId xmlns:p14="http://schemas.microsoft.com/office/powerpoint/2010/main" val="2858328913"/>
+      </p:ext>
+    </p:extLst>
+  </p:cSld>
+  <p:clrMapOvr>
+    <a:masterClrMapping/>
+  </p:clrMapOvr>
+</p:sld>
+</file>
+
+<file path=ppt/slides/slide19.xml><?xml version="1.0" encoding="utf-8"?>
+<p:sld xmlns:a="http://schemas.openxmlformats.org/drawingml/2006/main" xmlns:r="http://schemas.openxmlformats.org/officeDocument/2006/relationships" xmlns:p="http://schemas.openxmlformats.org/presentationml/2006/main">
+  <p:cSld>
+    <p:spTree>
+      <p:nvGrpSpPr>
+        <p:cNvPr id="1" name=""/>
+        <p:cNvGrpSpPr/>
+        <p:nvPr/>
+      </p:nvGrpSpPr>
+      <p:grpSpPr>
+        <a:xfrm>
+          <a:off x="0" y="0"/>
+          <a:ext cx="0" cy="0"/>
+          <a:chOff x="0" y="0"/>
+          <a:chExt cx="0" cy="0"/>
+        </a:xfrm>
+      </p:grpSpPr>
+      <p:sp>
+        <p:nvSpPr>
+          <p:cNvPr id="3" name="Espace réservé du contenu 2"/>
+          <p:cNvSpPr>
+            <a:spLocks noGrp="1"/>
+          </p:cNvSpPr>
+          <p:nvPr>
+            <p:ph idx="1"/>
+          </p:nvPr>
+        </p:nvSpPr>
+        <p:spPr>
+          <a:xfrm>
+            <a:off x="838200" y="415636"/>
+            <a:ext cx="10515600" cy="5761327"/>
+          </a:xfrm>
+        </p:spPr>
+        <p:txBody>
+          <a:bodyPr/>
+          <a:lstStyle/>
+          <a:p>
+            <a:pPr marL="0" indent="0">
+              <a:buNone/>
+            </a:pPr>
+            <a:r>
+              <a:rPr lang="fr-FR" dirty="0" smtClean="0"/>
+              <a:t>8) Quel </a:t>
+            </a:r>
+            <a:r>
+              <a:rPr lang="fr-FR" dirty="0"/>
+              <a:t>est l'unique identifiant d'un commit </a:t>
+            </a:r>
+            <a:r>
+              <a:rPr lang="fr-FR" dirty="0" smtClean="0"/>
+              <a:t>?</a:t>
+            </a:r>
+          </a:p>
+          <a:p>
+            <a:pPr marL="0" indent="0">
+              <a:buNone/>
+            </a:pPr>
+            <a:endParaRPr lang="fr-FR" dirty="0"/>
+          </a:p>
+          <a:p>
+            <a:r>
+              <a:rPr lang="fr-FR" dirty="0">
+                <a:solidFill>
+                  <a:srgbClr val="00B050"/>
+                </a:solidFill>
+              </a:rPr>
+              <a:t>Sa clé de hachage, le </a:t>
+            </a:r>
+            <a:r>
+              <a:rPr lang="fr-FR" i="1" dirty="0">
+                <a:solidFill>
+                  <a:srgbClr val="00B050"/>
+                </a:solidFill>
+              </a:rPr>
+              <a:t>SHA</a:t>
+            </a:r>
+            <a:endParaRPr lang="fr-FR" dirty="0">
+              <a:solidFill>
+                <a:srgbClr val="00B050"/>
+              </a:solidFill>
+            </a:endParaRPr>
+          </a:p>
+          <a:p>
+            <a:r>
+              <a:rPr lang="fr-FR" dirty="0"/>
+              <a:t>Son message de commit</a:t>
+            </a:r>
+          </a:p>
+          <a:p>
+            <a:r>
+              <a:rPr lang="fr-FR" dirty="0"/>
+              <a:t>Sa date</a:t>
+            </a:r>
+          </a:p>
+          <a:p>
+            <a:r>
+              <a:rPr lang="fr-FR" dirty="0"/>
+              <a:t>Son auteur</a:t>
+            </a:r>
+          </a:p>
+          <a:p>
+            <a:endParaRPr lang="fr-FR" dirty="0"/>
+          </a:p>
+        </p:txBody>
+      </p:sp>
+    </p:spTree>
+    <p:extLst>
+      <p:ext uri="{BB962C8B-B14F-4D97-AF65-F5344CB8AC3E}">
+        <p14:creationId xmlns:p14="http://schemas.microsoft.com/office/powerpoint/2010/main" val="3349189430"/>
       </p:ext>
     </p:extLst>
   </p:cSld>
@@ -4909,19 +7197,36 @@
           <a:p>
             <a:pPr marL="457200" lvl="1"/>
             <a:r>
-              <a:rPr lang="fr-FR" sz="4000" dirty="0" smtClean="0"/>
+              <a:rPr lang="fr-FR" sz="4000" u="sng" dirty="0" smtClean="0"/>
               <a:t>Chapitre 1: Présentation</a:t>
             </a:r>
             <a:br>
-              <a:rPr lang="fr-FR" sz="4000" dirty="0" smtClean="0"/>
+              <a:rPr lang="fr-FR" sz="4000" u="sng" dirty="0" smtClean="0"/>
             </a:br>
             <a:r>
-              <a:rPr lang="fr-FR" sz="4000" dirty="0" smtClean="0"/>
-              <a:t>    </a:t>
-            </a:r>
+              <a:rPr lang="fr-FR" sz="4000" u="sng" kern="1200" dirty="0">
+                <a:solidFill>
+                  <a:schemeClr val="tx1"/>
+                </a:solidFill>
+                <a:latin typeface="+mj-lt"/>
+                <a:ea typeface="+mj-ea"/>
+                <a:cs typeface="+mj-cs"/>
+              </a:rPr>
+              <a:t>a. Rôles de Git</a:t>
+            </a:r>
+            <a:br>
+              <a:rPr lang="fr-FR" sz="4000" u="sng" kern="1200" dirty="0">
+                <a:solidFill>
+                  <a:schemeClr val="tx1"/>
+                </a:solidFill>
+                <a:latin typeface="+mj-lt"/>
+                <a:ea typeface="+mj-ea"/>
+                <a:cs typeface="+mj-cs"/>
+              </a:rPr>
+            </a:br>
             <a:r>
               <a:rPr lang="fr-FR" dirty="0" smtClean="0"/>
-              <a:t>a. Rôles de Git</a:t>
+              <a:t/>
             </a:r>
             <a:br>
               <a:rPr lang="fr-FR" dirty="0" smtClean="0"/>
@@ -4947,7 +7252,12 @@
             <p:ph idx="1"/>
           </p:nvPr>
         </p:nvSpPr>
-        <p:spPr/>
+        <p:spPr>
+          <a:xfrm>
+            <a:off x="680259" y="1429789"/>
+            <a:ext cx="10515600" cy="4688985"/>
+          </a:xfrm>
+        </p:spPr>
         <p:txBody>
           <a:bodyPr>
             <a:normAutofit fontScale="70000" lnSpcReduction="20000"/>
@@ -5043,6 +7353,9 @@
             </a:r>
           </a:p>
           <a:p>
+            <a:pPr marL="0" indent="0">
+              <a:buNone/>
+            </a:pPr>
             <a:r>
               <a:rPr lang="fr-FR" dirty="0"/>
               <a:t/>
@@ -5074,6 +7387,1135 @@
 </p:sld>
 </file>
 
+<file path=ppt/slides/slide20.xml><?xml version="1.0" encoding="utf-8"?>
+<p:sld xmlns:a="http://schemas.openxmlformats.org/drawingml/2006/main" xmlns:r="http://schemas.openxmlformats.org/officeDocument/2006/relationships" xmlns:p="http://schemas.openxmlformats.org/presentationml/2006/main">
+  <p:cSld>
+    <p:spTree>
+      <p:nvGrpSpPr>
+        <p:cNvPr id="1" name=""/>
+        <p:cNvGrpSpPr/>
+        <p:nvPr/>
+      </p:nvGrpSpPr>
+      <p:grpSpPr>
+        <a:xfrm>
+          <a:off x="0" y="0"/>
+          <a:ext cx="0" cy="0"/>
+          <a:chOff x="0" y="0"/>
+          <a:chExt cx="0" cy="0"/>
+        </a:xfrm>
+      </p:grpSpPr>
+      <p:sp>
+        <p:nvSpPr>
+          <p:cNvPr id="3" name="Espace réservé du contenu 2"/>
+          <p:cNvSpPr>
+            <a:spLocks noGrp="1"/>
+          </p:cNvSpPr>
+          <p:nvPr>
+            <p:ph idx="1"/>
+          </p:nvPr>
+        </p:nvSpPr>
+        <p:spPr>
+          <a:xfrm>
+            <a:off x="838200" y="415636"/>
+            <a:ext cx="10515600" cy="5761327"/>
+          </a:xfrm>
+        </p:spPr>
+        <p:txBody>
+          <a:bodyPr/>
+          <a:lstStyle/>
+          <a:p>
+            <a:pPr marL="0" indent="0">
+              <a:buNone/>
+            </a:pPr>
+            <a:r>
+              <a:rPr lang="fr-FR" dirty="0" smtClean="0"/>
+              <a:t>9) À </a:t>
+            </a:r>
+            <a:r>
+              <a:rPr lang="fr-FR" dirty="0"/>
+              <a:t>quoi sert un message de commit </a:t>
+            </a:r>
+            <a:r>
+              <a:rPr lang="fr-FR" dirty="0" smtClean="0"/>
+              <a:t>?</a:t>
+            </a:r>
+          </a:p>
+          <a:p>
+            <a:pPr marL="0" indent="0">
+              <a:buNone/>
+            </a:pPr>
+            <a:endParaRPr lang="fr-FR" dirty="0"/>
+          </a:p>
+          <a:p>
+            <a:r>
+              <a:rPr lang="fr-FR" dirty="0"/>
+              <a:t>Indiquer quels fichiers ont été modifiés</a:t>
+            </a:r>
+          </a:p>
+          <a:p>
+            <a:r>
+              <a:rPr lang="fr-FR" dirty="0"/>
+              <a:t>Noter la date de modification des fichiers</a:t>
+            </a:r>
+          </a:p>
+          <a:p>
+            <a:r>
+              <a:rPr lang="fr-FR" dirty="0">
+                <a:solidFill>
+                  <a:srgbClr val="00B050"/>
+                </a:solidFill>
+              </a:rPr>
+              <a:t>Indiquer quelles modifications ont été faites et </a:t>
+            </a:r>
+            <a:r>
+              <a:rPr lang="fr-FR" dirty="0" smtClean="0">
+                <a:solidFill>
+                  <a:srgbClr val="00B050"/>
+                </a:solidFill>
+              </a:rPr>
+              <a:t>pourquoi</a:t>
+            </a:r>
+            <a:endParaRPr lang="fr-FR" dirty="0">
+              <a:solidFill>
+                <a:srgbClr val="00B050"/>
+              </a:solidFill>
+            </a:endParaRPr>
+          </a:p>
+          <a:p>
+            <a:endParaRPr lang="fr-FR" dirty="0"/>
+          </a:p>
+        </p:txBody>
+      </p:sp>
+    </p:spTree>
+    <p:extLst>
+      <p:ext uri="{BB962C8B-B14F-4D97-AF65-F5344CB8AC3E}">
+        <p14:creationId xmlns:p14="http://schemas.microsoft.com/office/powerpoint/2010/main" val="3140514407"/>
+      </p:ext>
+    </p:extLst>
+  </p:cSld>
+  <p:clrMapOvr>
+    <a:masterClrMapping/>
+  </p:clrMapOvr>
+</p:sld>
+</file>
+
+<file path=ppt/slides/slide21.xml><?xml version="1.0" encoding="utf-8"?>
+<p:sld xmlns:a="http://schemas.openxmlformats.org/drawingml/2006/main" xmlns:r="http://schemas.openxmlformats.org/officeDocument/2006/relationships" xmlns:p="http://schemas.openxmlformats.org/presentationml/2006/main">
+  <p:cSld>
+    <p:spTree>
+      <p:nvGrpSpPr>
+        <p:cNvPr id="1" name=""/>
+        <p:cNvGrpSpPr/>
+        <p:nvPr/>
+      </p:nvGrpSpPr>
+      <p:grpSpPr>
+        <a:xfrm>
+          <a:off x="0" y="0"/>
+          <a:ext cx="0" cy="0"/>
+          <a:chOff x="0" y="0"/>
+          <a:chExt cx="0" cy="0"/>
+        </a:xfrm>
+      </p:grpSpPr>
+      <p:sp>
+        <p:nvSpPr>
+          <p:cNvPr id="3" name="Espace réservé du contenu 2"/>
+          <p:cNvSpPr>
+            <a:spLocks noGrp="1"/>
+          </p:cNvSpPr>
+          <p:nvPr>
+            <p:ph idx="1"/>
+          </p:nvPr>
+        </p:nvSpPr>
+        <p:spPr>
+          <a:xfrm>
+            <a:off x="838200" y="415636"/>
+            <a:ext cx="10515600" cy="5761327"/>
+          </a:xfrm>
+        </p:spPr>
+        <p:txBody>
+          <a:bodyPr/>
+          <a:lstStyle/>
+          <a:p>
+            <a:pPr marL="0" indent="0">
+              <a:buNone/>
+            </a:pPr>
+            <a:r>
+              <a:rPr lang="fr-FR" dirty="0" smtClean="0"/>
+              <a:t>10) Que </a:t>
+            </a:r>
+            <a:r>
+              <a:rPr lang="fr-FR" dirty="0"/>
+              <a:t>signifie l'option -a de la commande commit </a:t>
+            </a:r>
+            <a:r>
+              <a:rPr lang="fr-FR" dirty="0" smtClean="0"/>
+              <a:t>?</a:t>
+            </a:r>
+          </a:p>
+          <a:p>
+            <a:pPr marL="0" indent="0">
+              <a:buNone/>
+            </a:pPr>
+            <a:endParaRPr lang="fr-FR" dirty="0"/>
+          </a:p>
+          <a:p>
+            <a:r>
+              <a:rPr lang="fr-FR" dirty="0"/>
+              <a:t>Ajouter tous les fichiers du projet au commit</a:t>
+            </a:r>
+          </a:p>
+          <a:p>
+            <a:r>
+              <a:rPr lang="fr-FR" dirty="0">
+                <a:solidFill>
+                  <a:srgbClr val="00B050"/>
+                </a:solidFill>
+              </a:rPr>
+              <a:t>Ajouter tous les fichiers déjà présents dans l'index au commit</a:t>
+            </a:r>
+          </a:p>
+          <a:p>
+            <a:r>
+              <a:rPr lang="fr-FR" dirty="0"/>
+              <a:t>Ajouter tous les fichiers du projet à l'index</a:t>
+            </a:r>
+          </a:p>
+          <a:p>
+            <a:r>
+              <a:rPr lang="fr-FR" dirty="0"/>
+              <a:t>Ajouter l'index à Git</a:t>
+            </a:r>
+          </a:p>
+          <a:p>
+            <a:endParaRPr lang="fr-FR" dirty="0"/>
+          </a:p>
+        </p:txBody>
+      </p:sp>
+    </p:spTree>
+    <p:extLst>
+      <p:ext uri="{BB962C8B-B14F-4D97-AF65-F5344CB8AC3E}">
+        <p14:creationId xmlns:p14="http://schemas.microsoft.com/office/powerpoint/2010/main" val="2412562278"/>
+      </p:ext>
+    </p:extLst>
+  </p:cSld>
+  <p:clrMapOvr>
+    <a:masterClrMapping/>
+  </p:clrMapOvr>
+</p:sld>
+</file>
+
+<file path=ppt/slides/slide22.xml><?xml version="1.0" encoding="utf-8"?>
+<p:sld xmlns:a="http://schemas.openxmlformats.org/drawingml/2006/main" xmlns:r="http://schemas.openxmlformats.org/officeDocument/2006/relationships" xmlns:p="http://schemas.openxmlformats.org/presentationml/2006/main">
+  <p:cSld>
+    <p:spTree>
+      <p:nvGrpSpPr>
+        <p:cNvPr id="1" name=""/>
+        <p:cNvGrpSpPr/>
+        <p:nvPr/>
+      </p:nvGrpSpPr>
+      <p:grpSpPr>
+        <a:xfrm>
+          <a:off x="0" y="0"/>
+          <a:ext cx="0" cy="0"/>
+          <a:chOff x="0" y="0"/>
+          <a:chExt cx="0" cy="0"/>
+        </a:xfrm>
+      </p:grpSpPr>
+      <p:sp>
+        <p:nvSpPr>
+          <p:cNvPr id="3" name="Espace réservé du contenu 2"/>
+          <p:cNvSpPr>
+            <a:spLocks noGrp="1"/>
+          </p:cNvSpPr>
+          <p:nvPr>
+            <p:ph idx="1"/>
+          </p:nvPr>
+        </p:nvSpPr>
+        <p:spPr>
+          <a:xfrm>
+            <a:off x="838200" y="415636"/>
+            <a:ext cx="10515600" cy="5761327"/>
+          </a:xfrm>
+        </p:spPr>
+        <p:txBody>
+          <a:bodyPr/>
+          <a:lstStyle/>
+          <a:p>
+            <a:pPr marL="0" indent="0">
+              <a:buNone/>
+            </a:pPr>
+            <a:r>
+              <a:rPr lang="fr-FR" dirty="0" smtClean="0"/>
+              <a:t>11) Dans </a:t>
+            </a:r>
+            <a:r>
+              <a:rPr lang="fr-FR" dirty="0"/>
+              <a:t>quel ordre les actions suivantes sont le plus souvent utilisées </a:t>
+            </a:r>
+            <a:r>
+              <a:rPr lang="fr-FR" dirty="0" smtClean="0"/>
+              <a:t>?</a:t>
+            </a:r>
+          </a:p>
+          <a:p>
+            <a:pPr marL="0" indent="0">
+              <a:buNone/>
+            </a:pPr>
+            <a:endParaRPr lang="fr-FR" dirty="0"/>
+          </a:p>
+          <a:p>
+            <a:r>
+              <a:rPr lang="fr-FR" dirty="0"/>
+              <a:t>push, commit, écrire du code</a:t>
+            </a:r>
+          </a:p>
+          <a:p>
+            <a:r>
+              <a:rPr lang="fr-FR" dirty="0"/>
+              <a:t>écrire du code, push, commit</a:t>
+            </a:r>
+          </a:p>
+          <a:p>
+            <a:r>
+              <a:rPr lang="fr-FR" dirty="0">
+                <a:solidFill>
+                  <a:srgbClr val="00B050"/>
+                </a:solidFill>
+              </a:rPr>
+              <a:t>écrire du code, commit, push</a:t>
+            </a:r>
+          </a:p>
+          <a:p>
+            <a:r>
+              <a:rPr lang="fr-FR" dirty="0"/>
+              <a:t>push, écrire du code, commit</a:t>
+            </a:r>
+          </a:p>
+          <a:p>
+            <a:endParaRPr lang="fr-FR" dirty="0"/>
+          </a:p>
+        </p:txBody>
+      </p:sp>
+    </p:spTree>
+    <p:extLst>
+      <p:ext uri="{BB962C8B-B14F-4D97-AF65-F5344CB8AC3E}">
+        <p14:creationId xmlns:p14="http://schemas.microsoft.com/office/powerpoint/2010/main" val="961151935"/>
+      </p:ext>
+    </p:extLst>
+  </p:cSld>
+  <p:clrMapOvr>
+    <a:masterClrMapping/>
+  </p:clrMapOvr>
+</p:sld>
+</file>
+
+<file path=ppt/slides/slide23.xml><?xml version="1.0" encoding="utf-8"?>
+<p:sld xmlns:a="http://schemas.openxmlformats.org/drawingml/2006/main" xmlns:r="http://schemas.openxmlformats.org/officeDocument/2006/relationships" xmlns:p="http://schemas.openxmlformats.org/presentationml/2006/main">
+  <p:cSld>
+    <p:spTree>
+      <p:nvGrpSpPr>
+        <p:cNvPr id="1" name=""/>
+        <p:cNvGrpSpPr/>
+        <p:nvPr/>
+      </p:nvGrpSpPr>
+      <p:grpSpPr>
+        <a:xfrm>
+          <a:off x="0" y="0"/>
+          <a:ext cx="0" cy="0"/>
+          <a:chOff x="0" y="0"/>
+          <a:chExt cx="0" cy="0"/>
+        </a:xfrm>
+      </p:grpSpPr>
+      <p:sp>
+        <p:nvSpPr>
+          <p:cNvPr id="3" name="Espace réservé du contenu 2"/>
+          <p:cNvSpPr>
+            <a:spLocks noGrp="1"/>
+          </p:cNvSpPr>
+          <p:nvPr>
+            <p:ph idx="1"/>
+          </p:nvPr>
+        </p:nvSpPr>
+        <p:spPr>
+          <a:xfrm>
+            <a:off x="838200" y="415636"/>
+            <a:ext cx="10515600" cy="5761327"/>
+          </a:xfrm>
+        </p:spPr>
+        <p:txBody>
+          <a:bodyPr/>
+          <a:lstStyle/>
+          <a:p>
+            <a:pPr marL="0" indent="0">
+              <a:buNone/>
+            </a:pPr>
+            <a:r>
+              <a:rPr lang="fr-FR" dirty="0" smtClean="0"/>
+              <a:t>12) Quel </a:t>
+            </a:r>
+            <a:r>
+              <a:rPr lang="fr-FR" dirty="0"/>
+              <a:t>type de machine ne peut pas servir de </a:t>
+            </a:r>
+            <a:r>
+              <a:rPr lang="fr-FR" dirty="0" err="1"/>
+              <a:t>remote</a:t>
+            </a:r>
+            <a:r>
+              <a:rPr lang="fr-FR" dirty="0"/>
+              <a:t> Git </a:t>
+            </a:r>
+            <a:r>
+              <a:rPr lang="fr-FR" dirty="0" smtClean="0"/>
+              <a:t>?</a:t>
+            </a:r>
+          </a:p>
+          <a:p>
+            <a:pPr marL="0" indent="0">
+              <a:buNone/>
+            </a:pPr>
+            <a:endParaRPr lang="fr-FR" dirty="0"/>
+          </a:p>
+          <a:p>
+            <a:r>
+              <a:rPr lang="fr-FR" dirty="0"/>
+              <a:t>La machine sur laquelle je code</a:t>
+            </a:r>
+          </a:p>
+          <a:p>
+            <a:r>
+              <a:rPr lang="fr-FR" dirty="0"/>
+              <a:t>Une autre machine chez moi</a:t>
+            </a:r>
+          </a:p>
+          <a:p>
+            <a:r>
+              <a:rPr lang="fr-FR" dirty="0"/>
+              <a:t>Un serveur chez GitHub</a:t>
+            </a:r>
+          </a:p>
+          <a:p>
+            <a:r>
+              <a:rPr lang="fr-FR" dirty="0">
+                <a:solidFill>
+                  <a:srgbClr val="00B050"/>
+                </a:solidFill>
+              </a:rPr>
+              <a:t>Toutes les machines citées peuvent servir de </a:t>
+            </a:r>
+            <a:r>
+              <a:rPr lang="fr-FR" dirty="0" err="1">
+                <a:solidFill>
+                  <a:srgbClr val="00B050"/>
+                </a:solidFill>
+              </a:rPr>
+              <a:t>remote</a:t>
+            </a:r>
+            <a:r>
+              <a:rPr lang="fr-FR" dirty="0">
+                <a:solidFill>
+                  <a:srgbClr val="00B050"/>
+                </a:solidFill>
+              </a:rPr>
+              <a:t> Git </a:t>
+            </a:r>
+          </a:p>
+          <a:p>
+            <a:endParaRPr lang="fr-FR" dirty="0"/>
+          </a:p>
+        </p:txBody>
+      </p:sp>
+    </p:spTree>
+    <p:extLst>
+      <p:ext uri="{BB962C8B-B14F-4D97-AF65-F5344CB8AC3E}">
+        <p14:creationId xmlns:p14="http://schemas.microsoft.com/office/powerpoint/2010/main" val="2758117463"/>
+      </p:ext>
+    </p:extLst>
+  </p:cSld>
+  <p:clrMapOvr>
+    <a:masterClrMapping/>
+  </p:clrMapOvr>
+</p:sld>
+</file>
+
+<file path=ppt/slides/slide24.xml><?xml version="1.0" encoding="utf-8"?>
+<p:sld xmlns:a="http://schemas.openxmlformats.org/drawingml/2006/main" xmlns:r="http://schemas.openxmlformats.org/officeDocument/2006/relationships" xmlns:p="http://schemas.openxmlformats.org/presentationml/2006/main">
+  <p:cSld>
+    <p:spTree>
+      <p:nvGrpSpPr>
+        <p:cNvPr id="1" name=""/>
+        <p:cNvGrpSpPr/>
+        <p:nvPr/>
+      </p:nvGrpSpPr>
+      <p:grpSpPr>
+        <a:xfrm>
+          <a:off x="0" y="0"/>
+          <a:ext cx="0" cy="0"/>
+          <a:chOff x="0" y="0"/>
+          <a:chExt cx="0" cy="0"/>
+        </a:xfrm>
+      </p:grpSpPr>
+      <p:sp>
+        <p:nvSpPr>
+          <p:cNvPr id="3" name="Espace réservé du contenu 2"/>
+          <p:cNvSpPr>
+            <a:spLocks noGrp="1"/>
+          </p:cNvSpPr>
+          <p:nvPr>
+            <p:ph idx="1"/>
+          </p:nvPr>
+        </p:nvSpPr>
+        <p:spPr>
+          <a:xfrm>
+            <a:off x="838200" y="415636"/>
+            <a:ext cx="10515600" cy="5761327"/>
+          </a:xfrm>
+        </p:spPr>
+        <p:txBody>
+          <a:bodyPr/>
+          <a:lstStyle/>
+          <a:p>
+            <a:pPr marL="0" indent="0">
+              <a:buNone/>
+            </a:pPr>
+            <a:r>
+              <a:rPr lang="fr-FR" dirty="0" smtClean="0"/>
+              <a:t>13) Qu'est-ce </a:t>
+            </a:r>
+            <a:r>
+              <a:rPr lang="fr-FR" dirty="0"/>
+              <a:t>qu'un </a:t>
+            </a:r>
+            <a:r>
+              <a:rPr lang="fr-FR" dirty="0" err="1"/>
+              <a:t>gist</a:t>
+            </a:r>
+            <a:r>
+              <a:rPr lang="fr-FR" dirty="0"/>
+              <a:t> </a:t>
+            </a:r>
+            <a:r>
+              <a:rPr lang="fr-FR" dirty="0" smtClean="0"/>
+              <a:t>?</a:t>
+            </a:r>
+          </a:p>
+          <a:p>
+            <a:pPr marL="0" indent="0">
+              <a:buNone/>
+            </a:pPr>
+            <a:endParaRPr lang="fr-FR" dirty="0"/>
+          </a:p>
+          <a:p>
+            <a:r>
+              <a:rPr lang="fr-FR" dirty="0"/>
+              <a:t>Le mode d'affichage d'un commit sur GitHub</a:t>
+            </a:r>
+          </a:p>
+          <a:p>
+            <a:r>
+              <a:rPr lang="fr-FR" dirty="0">
+                <a:solidFill>
+                  <a:srgbClr val="00B050"/>
+                </a:solidFill>
+              </a:rPr>
+              <a:t>Une façon de partager son code avec GitHub</a:t>
+            </a:r>
+          </a:p>
+          <a:p>
+            <a:r>
+              <a:rPr lang="fr-FR" dirty="0"/>
+              <a:t>Un utilisateur de GitHub</a:t>
+            </a:r>
+          </a:p>
+          <a:p>
+            <a:r>
+              <a:rPr lang="fr-FR" dirty="0"/>
+              <a:t>Une commande Git</a:t>
+            </a:r>
+          </a:p>
+          <a:p>
+            <a:endParaRPr lang="fr-FR" dirty="0"/>
+          </a:p>
+        </p:txBody>
+      </p:sp>
+    </p:spTree>
+    <p:extLst>
+      <p:ext uri="{BB962C8B-B14F-4D97-AF65-F5344CB8AC3E}">
+        <p14:creationId xmlns:p14="http://schemas.microsoft.com/office/powerpoint/2010/main" val="4188646151"/>
+      </p:ext>
+    </p:extLst>
+  </p:cSld>
+  <p:clrMapOvr>
+    <a:masterClrMapping/>
+  </p:clrMapOvr>
+</p:sld>
+</file>
+
+<file path=ppt/slides/slide25.xml><?xml version="1.0" encoding="utf-8"?>
+<p:sld xmlns:a="http://schemas.openxmlformats.org/drawingml/2006/main" xmlns:r="http://schemas.openxmlformats.org/officeDocument/2006/relationships" xmlns:p="http://schemas.openxmlformats.org/presentationml/2006/main">
+  <p:cSld>
+    <p:spTree>
+      <p:nvGrpSpPr>
+        <p:cNvPr id="1" name=""/>
+        <p:cNvGrpSpPr/>
+        <p:nvPr/>
+      </p:nvGrpSpPr>
+      <p:grpSpPr>
+        <a:xfrm>
+          <a:off x="0" y="0"/>
+          <a:ext cx="0" cy="0"/>
+          <a:chOff x="0" y="0"/>
+          <a:chExt cx="0" cy="0"/>
+        </a:xfrm>
+      </p:grpSpPr>
+      <p:sp>
+        <p:nvSpPr>
+          <p:cNvPr id="3" name="Espace réservé du contenu 2"/>
+          <p:cNvSpPr>
+            <a:spLocks noGrp="1"/>
+          </p:cNvSpPr>
+          <p:nvPr>
+            <p:ph idx="1"/>
+          </p:nvPr>
+        </p:nvSpPr>
+        <p:spPr>
+          <a:xfrm>
+            <a:off x="838200" y="415636"/>
+            <a:ext cx="10515600" cy="5761327"/>
+          </a:xfrm>
+        </p:spPr>
+        <p:txBody>
+          <a:bodyPr/>
+          <a:lstStyle/>
+          <a:p>
+            <a:pPr marL="0" indent="0">
+              <a:buNone/>
+            </a:pPr>
+            <a:r>
+              <a:rPr lang="fr-FR" dirty="0" smtClean="0"/>
+              <a:t>14) Comment </a:t>
+            </a:r>
+            <a:r>
+              <a:rPr lang="fr-FR" dirty="0"/>
+              <a:t>s'appelle l'action de récupérer un </a:t>
+            </a:r>
+            <a:r>
+              <a:rPr lang="fr-FR" dirty="0" err="1"/>
+              <a:t>repository</a:t>
+            </a:r>
+            <a:r>
+              <a:rPr lang="fr-FR" dirty="0"/>
+              <a:t> entier sur sa machine </a:t>
+            </a:r>
+            <a:r>
+              <a:rPr lang="fr-FR" dirty="0" smtClean="0"/>
+              <a:t>?</a:t>
+            </a:r>
+          </a:p>
+          <a:p>
+            <a:pPr marL="0" indent="0">
+              <a:buNone/>
+            </a:pPr>
+            <a:endParaRPr lang="fr-FR" dirty="0"/>
+          </a:p>
+          <a:p>
+            <a:r>
+              <a:rPr lang="fr-FR" dirty="0">
+                <a:solidFill>
+                  <a:srgbClr val="00B050"/>
+                </a:solidFill>
+              </a:rPr>
+              <a:t>Un clonage</a:t>
+            </a:r>
+          </a:p>
+          <a:p>
+            <a:r>
+              <a:rPr lang="fr-FR" dirty="0"/>
+              <a:t>Une duplication</a:t>
+            </a:r>
+          </a:p>
+          <a:p>
+            <a:r>
+              <a:rPr lang="fr-FR" dirty="0"/>
+              <a:t>Un "fork"</a:t>
+            </a:r>
+          </a:p>
+          <a:p>
+            <a:r>
+              <a:rPr lang="fr-FR" dirty="0"/>
+              <a:t>Un "pull"</a:t>
+            </a:r>
+          </a:p>
+          <a:p>
+            <a:endParaRPr lang="fr-FR" dirty="0"/>
+          </a:p>
+        </p:txBody>
+      </p:sp>
+    </p:spTree>
+    <p:extLst>
+      <p:ext uri="{BB962C8B-B14F-4D97-AF65-F5344CB8AC3E}">
+        <p14:creationId xmlns:p14="http://schemas.microsoft.com/office/powerpoint/2010/main" val="2646050593"/>
+      </p:ext>
+    </p:extLst>
+  </p:cSld>
+  <p:clrMapOvr>
+    <a:masterClrMapping/>
+  </p:clrMapOvr>
+</p:sld>
+</file>
+
+<file path=ppt/slides/slide26.xml><?xml version="1.0" encoding="utf-8"?>
+<p:sld xmlns:a="http://schemas.openxmlformats.org/drawingml/2006/main" xmlns:r="http://schemas.openxmlformats.org/officeDocument/2006/relationships" xmlns:p="http://schemas.openxmlformats.org/presentationml/2006/main">
+  <p:cSld>
+    <p:spTree>
+      <p:nvGrpSpPr>
+        <p:cNvPr id="1" name=""/>
+        <p:cNvGrpSpPr/>
+        <p:nvPr/>
+      </p:nvGrpSpPr>
+      <p:grpSpPr>
+        <a:xfrm>
+          <a:off x="0" y="0"/>
+          <a:ext cx="0" cy="0"/>
+          <a:chOff x="0" y="0"/>
+          <a:chExt cx="0" cy="0"/>
+        </a:xfrm>
+      </p:grpSpPr>
+      <p:sp>
+        <p:nvSpPr>
+          <p:cNvPr id="3" name="Espace réservé du contenu 2"/>
+          <p:cNvSpPr>
+            <a:spLocks noGrp="1"/>
+          </p:cNvSpPr>
+          <p:nvPr>
+            <p:ph idx="1"/>
+          </p:nvPr>
+        </p:nvSpPr>
+        <p:spPr>
+          <a:xfrm>
+            <a:off x="838200" y="415636"/>
+            <a:ext cx="10515600" cy="5761327"/>
+          </a:xfrm>
+        </p:spPr>
+        <p:txBody>
+          <a:bodyPr/>
+          <a:lstStyle/>
+          <a:p>
+            <a:pPr marL="0" indent="0">
+              <a:buNone/>
+            </a:pPr>
+            <a:r>
+              <a:rPr lang="fr-FR" dirty="0" smtClean="0"/>
+              <a:t>15) Quelle </a:t>
+            </a:r>
+            <a:r>
+              <a:rPr lang="fr-FR" dirty="0"/>
+              <a:t>est la commande Git qui permet d'envoyer ses modifications sur un </a:t>
+            </a:r>
+            <a:r>
+              <a:rPr lang="fr-FR" dirty="0" err="1"/>
+              <a:t>remote</a:t>
+            </a:r>
+            <a:r>
+              <a:rPr lang="fr-FR" dirty="0"/>
+              <a:t> </a:t>
+            </a:r>
+            <a:r>
+              <a:rPr lang="fr-FR" dirty="0" smtClean="0"/>
+              <a:t>?</a:t>
+            </a:r>
+          </a:p>
+          <a:p>
+            <a:pPr marL="0" indent="0">
+              <a:buNone/>
+            </a:pPr>
+            <a:endParaRPr lang="fr-FR" dirty="0"/>
+          </a:p>
+          <a:p>
+            <a:r>
+              <a:rPr lang="fr-FR" dirty="0">
+                <a:solidFill>
+                  <a:srgbClr val="00B050"/>
+                </a:solidFill>
+              </a:rPr>
+              <a:t>Push</a:t>
+            </a:r>
+          </a:p>
+          <a:p>
+            <a:r>
+              <a:rPr lang="fr-FR" dirty="0"/>
+              <a:t>Commit</a:t>
+            </a:r>
+          </a:p>
+          <a:p>
+            <a:r>
+              <a:rPr lang="fr-FR" dirty="0"/>
+              <a:t>Pull</a:t>
+            </a:r>
+          </a:p>
+          <a:p>
+            <a:r>
+              <a:rPr lang="fr-FR" dirty="0"/>
+              <a:t>Clone</a:t>
+            </a:r>
+          </a:p>
+          <a:p>
+            <a:endParaRPr lang="fr-FR" dirty="0"/>
+          </a:p>
+        </p:txBody>
+      </p:sp>
+    </p:spTree>
+    <p:extLst>
+      <p:ext uri="{BB962C8B-B14F-4D97-AF65-F5344CB8AC3E}">
+        <p14:creationId xmlns:p14="http://schemas.microsoft.com/office/powerpoint/2010/main" val="434727108"/>
+      </p:ext>
+    </p:extLst>
+  </p:cSld>
+  <p:clrMapOvr>
+    <a:masterClrMapping/>
+  </p:clrMapOvr>
+</p:sld>
+</file>
+
+<file path=ppt/slides/slide27.xml><?xml version="1.0" encoding="utf-8"?>
+<p:sld xmlns:a="http://schemas.openxmlformats.org/drawingml/2006/main" xmlns:r="http://schemas.openxmlformats.org/officeDocument/2006/relationships" xmlns:p="http://schemas.openxmlformats.org/presentationml/2006/main">
+  <p:cSld>
+    <p:spTree>
+      <p:nvGrpSpPr>
+        <p:cNvPr id="1" name=""/>
+        <p:cNvGrpSpPr/>
+        <p:nvPr/>
+      </p:nvGrpSpPr>
+      <p:grpSpPr>
+        <a:xfrm>
+          <a:off x="0" y="0"/>
+          <a:ext cx="0" cy="0"/>
+          <a:chOff x="0" y="0"/>
+          <a:chExt cx="0" cy="0"/>
+        </a:xfrm>
+      </p:grpSpPr>
+      <p:sp>
+        <p:nvSpPr>
+          <p:cNvPr id="3" name="Espace réservé du contenu 2"/>
+          <p:cNvSpPr>
+            <a:spLocks noGrp="1"/>
+          </p:cNvSpPr>
+          <p:nvPr>
+            <p:ph idx="1"/>
+          </p:nvPr>
+        </p:nvSpPr>
+        <p:spPr>
+          <a:xfrm>
+            <a:off x="838200" y="415636"/>
+            <a:ext cx="10515600" cy="5761327"/>
+          </a:xfrm>
+        </p:spPr>
+        <p:txBody>
+          <a:bodyPr/>
+          <a:lstStyle/>
+          <a:p>
+            <a:pPr marL="0" indent="0">
+              <a:buNone/>
+            </a:pPr>
+            <a:r>
+              <a:rPr lang="fr-FR" dirty="0" smtClean="0"/>
+              <a:t>16)</a:t>
+            </a:r>
+            <a:r>
+              <a:rPr lang="fr-FR" dirty="0"/>
+              <a:t> </a:t>
+            </a:r>
+            <a:r>
+              <a:rPr lang="fr-FR" dirty="0" smtClean="0"/>
+              <a:t>Quelle </a:t>
+            </a:r>
+            <a:r>
+              <a:rPr lang="fr-FR" dirty="0"/>
+              <a:t>est la commande Git qui permet de récupérer uniquement les dernières modifications faites sur un </a:t>
+            </a:r>
+            <a:r>
+              <a:rPr lang="fr-FR" dirty="0" err="1"/>
+              <a:t>remote</a:t>
+            </a:r>
+            <a:r>
+              <a:rPr lang="fr-FR" dirty="0"/>
+              <a:t> </a:t>
+            </a:r>
+            <a:r>
+              <a:rPr lang="fr-FR" dirty="0" smtClean="0"/>
+              <a:t>?</a:t>
+            </a:r>
+          </a:p>
+          <a:p>
+            <a:pPr marL="0" indent="0">
+              <a:buNone/>
+            </a:pPr>
+            <a:endParaRPr lang="fr-FR" dirty="0"/>
+          </a:p>
+          <a:p>
+            <a:r>
+              <a:rPr lang="fr-FR" dirty="0"/>
+              <a:t>Push</a:t>
+            </a:r>
+          </a:p>
+          <a:p>
+            <a:r>
+              <a:rPr lang="fr-FR" dirty="0"/>
+              <a:t>Fork</a:t>
+            </a:r>
+          </a:p>
+          <a:p>
+            <a:r>
+              <a:rPr lang="fr-FR" dirty="0"/>
+              <a:t>Clone</a:t>
+            </a:r>
+          </a:p>
+          <a:p>
+            <a:r>
+              <a:rPr lang="fr-FR" dirty="0">
+                <a:solidFill>
+                  <a:srgbClr val="00B050"/>
+                </a:solidFill>
+              </a:rPr>
+              <a:t>Pull</a:t>
+            </a:r>
+          </a:p>
+          <a:p>
+            <a:endParaRPr lang="fr-FR" dirty="0"/>
+          </a:p>
+        </p:txBody>
+      </p:sp>
+    </p:spTree>
+    <p:extLst>
+      <p:ext uri="{BB962C8B-B14F-4D97-AF65-F5344CB8AC3E}">
+        <p14:creationId xmlns:p14="http://schemas.microsoft.com/office/powerpoint/2010/main" val="1539444354"/>
+      </p:ext>
+    </p:extLst>
+  </p:cSld>
+  <p:clrMapOvr>
+    <a:masterClrMapping/>
+  </p:clrMapOvr>
+</p:sld>
+</file>
+
+<file path=ppt/slides/slide28.xml><?xml version="1.0" encoding="utf-8"?>
+<p:sld xmlns:a="http://schemas.openxmlformats.org/drawingml/2006/main" xmlns:r="http://schemas.openxmlformats.org/officeDocument/2006/relationships" xmlns:p="http://schemas.openxmlformats.org/presentationml/2006/main">
+  <p:cSld>
+    <p:spTree>
+      <p:nvGrpSpPr>
+        <p:cNvPr id="1" name=""/>
+        <p:cNvGrpSpPr/>
+        <p:nvPr/>
+      </p:nvGrpSpPr>
+      <p:grpSpPr>
+        <a:xfrm>
+          <a:off x="0" y="0"/>
+          <a:ext cx="0" cy="0"/>
+          <a:chOff x="0" y="0"/>
+          <a:chExt cx="0" cy="0"/>
+        </a:xfrm>
+      </p:grpSpPr>
+      <p:sp>
+        <p:nvSpPr>
+          <p:cNvPr id="3" name="Espace réservé du contenu 2"/>
+          <p:cNvSpPr>
+            <a:spLocks noGrp="1"/>
+          </p:cNvSpPr>
+          <p:nvPr>
+            <p:ph idx="1"/>
+          </p:nvPr>
+        </p:nvSpPr>
+        <p:spPr>
+          <a:xfrm>
+            <a:off x="838200" y="415636"/>
+            <a:ext cx="10515600" cy="5761327"/>
+          </a:xfrm>
+        </p:spPr>
+        <p:txBody>
+          <a:bodyPr/>
+          <a:lstStyle/>
+          <a:p>
+            <a:pPr marL="0" indent="0">
+              <a:buNone/>
+            </a:pPr>
+            <a:r>
+              <a:rPr lang="fr-FR" dirty="0" smtClean="0"/>
+              <a:t>17) Quand </a:t>
+            </a:r>
+            <a:r>
+              <a:rPr lang="fr-FR" dirty="0"/>
+              <a:t>faut-il se mettre à jour par rapport au </a:t>
+            </a:r>
+            <a:r>
+              <a:rPr lang="fr-FR" dirty="0" err="1"/>
+              <a:t>remote</a:t>
+            </a:r>
+            <a:r>
+              <a:rPr lang="fr-FR" dirty="0"/>
+              <a:t> distant partagé </a:t>
+            </a:r>
+            <a:r>
+              <a:rPr lang="fr-FR" dirty="0" smtClean="0"/>
+              <a:t>?</a:t>
+            </a:r>
+          </a:p>
+          <a:p>
+            <a:pPr marL="0" indent="0">
+              <a:buNone/>
+            </a:pPr>
+            <a:endParaRPr lang="fr-FR" dirty="0"/>
+          </a:p>
+          <a:p>
+            <a:r>
+              <a:rPr lang="fr-FR" dirty="0">
+                <a:solidFill>
+                  <a:srgbClr val="00B050"/>
+                </a:solidFill>
+              </a:rPr>
+              <a:t>Fréquemment, pour éviter de trop diverger</a:t>
+            </a:r>
+          </a:p>
+          <a:p>
+            <a:r>
+              <a:rPr lang="fr-FR" dirty="0"/>
+              <a:t>Rarement, pour éviter les conflits</a:t>
+            </a:r>
+          </a:p>
+          <a:p>
+            <a:r>
+              <a:rPr lang="fr-FR" dirty="0"/>
+              <a:t>Jamais, c'est un risque de sécurité</a:t>
+            </a:r>
+          </a:p>
+          <a:p>
+            <a:r>
+              <a:rPr lang="fr-FR" dirty="0"/>
+              <a:t>Il est impossible de se mettre à jour si le </a:t>
+            </a:r>
+            <a:r>
+              <a:rPr lang="fr-FR" dirty="0" err="1"/>
+              <a:t>remote</a:t>
+            </a:r>
+            <a:r>
+              <a:rPr lang="fr-FR" dirty="0"/>
+              <a:t> est partagé</a:t>
+            </a:r>
+          </a:p>
+          <a:p>
+            <a:endParaRPr lang="fr-FR" dirty="0"/>
+          </a:p>
+        </p:txBody>
+      </p:sp>
+    </p:spTree>
+    <p:extLst>
+      <p:ext uri="{BB962C8B-B14F-4D97-AF65-F5344CB8AC3E}">
+        <p14:creationId xmlns:p14="http://schemas.microsoft.com/office/powerpoint/2010/main" val="2388011113"/>
+      </p:ext>
+    </p:extLst>
+  </p:cSld>
+  <p:clrMapOvr>
+    <a:masterClrMapping/>
+  </p:clrMapOvr>
+</p:sld>
+</file>
+
+<file path=ppt/slides/slide29.xml><?xml version="1.0" encoding="utf-8"?>
+<p:sld xmlns:a="http://schemas.openxmlformats.org/drawingml/2006/main" xmlns:r="http://schemas.openxmlformats.org/officeDocument/2006/relationships" xmlns:p="http://schemas.openxmlformats.org/presentationml/2006/main">
+  <p:cSld>
+    <p:spTree>
+      <p:nvGrpSpPr>
+        <p:cNvPr id="1" name=""/>
+        <p:cNvGrpSpPr/>
+        <p:nvPr/>
+      </p:nvGrpSpPr>
+      <p:grpSpPr>
+        <a:xfrm>
+          <a:off x="0" y="0"/>
+          <a:ext cx="0" cy="0"/>
+          <a:chOff x="0" y="0"/>
+          <a:chExt cx="0" cy="0"/>
+        </a:xfrm>
+      </p:grpSpPr>
+      <p:sp>
+        <p:nvSpPr>
+          <p:cNvPr id="3" name="Espace réservé du contenu 2"/>
+          <p:cNvSpPr>
+            <a:spLocks noGrp="1"/>
+          </p:cNvSpPr>
+          <p:nvPr>
+            <p:ph idx="1"/>
+          </p:nvPr>
+        </p:nvSpPr>
+        <p:spPr>
+          <a:xfrm>
+            <a:off x="838200" y="415636"/>
+            <a:ext cx="10515600" cy="5761327"/>
+          </a:xfrm>
+        </p:spPr>
+        <p:txBody>
+          <a:bodyPr/>
+          <a:lstStyle/>
+          <a:p>
+            <a:pPr marL="0" indent="0">
+              <a:buNone/>
+            </a:pPr>
+            <a:r>
+              <a:rPr lang="fr-FR" dirty="0" smtClean="0"/>
+              <a:t>18) Avec </a:t>
+            </a:r>
+            <a:r>
+              <a:rPr lang="fr-FR" dirty="0"/>
+              <a:t>quelle commande de Git peut-on voir les modifications effectuées par d'autres développeurs après avoir effectué la commande </a:t>
+            </a:r>
+            <a:r>
+              <a:rPr lang="fr-FR" dirty="0" smtClean="0"/>
+              <a:t>git pull</a:t>
+            </a:r>
+          </a:p>
+          <a:p>
+            <a:r>
+              <a:rPr lang="fr-FR" dirty="0" smtClean="0"/>
+              <a:t>push</a:t>
+            </a:r>
+          </a:p>
+          <a:p>
+            <a:r>
+              <a:rPr lang="fr-FR" dirty="0" err="1" smtClean="0"/>
+              <a:t>status</a:t>
+            </a:r>
+            <a:endParaRPr lang="fr-FR" dirty="0" smtClean="0"/>
+          </a:p>
+          <a:p>
+            <a:r>
+              <a:rPr lang="fr-FR" dirty="0" err="1" smtClean="0"/>
+              <a:t>origin</a:t>
+            </a:r>
+            <a:endParaRPr lang="fr-FR" dirty="0" smtClean="0"/>
+          </a:p>
+          <a:p>
+            <a:r>
+              <a:rPr lang="fr-FR" dirty="0" smtClean="0"/>
+              <a:t>log</a:t>
+            </a:r>
+          </a:p>
+          <a:p>
+            <a:endParaRPr lang="fr-FR" dirty="0"/>
+          </a:p>
+        </p:txBody>
+      </p:sp>
+    </p:spTree>
+    <p:extLst>
+      <p:ext uri="{BB962C8B-B14F-4D97-AF65-F5344CB8AC3E}">
+        <p14:creationId xmlns:p14="http://schemas.microsoft.com/office/powerpoint/2010/main" val="1303607871"/>
+      </p:ext>
+    </p:extLst>
+  </p:cSld>
+  <p:clrMapOvr>
+    <a:masterClrMapping/>
+  </p:clrMapOvr>
+</p:sld>
+</file>
+
 <file path=ppt/slides/slide3.xml><?xml version="1.0" encoding="utf-8"?>
 <p:sld xmlns:a="http://schemas.openxmlformats.org/drawingml/2006/main" xmlns:r="http://schemas.openxmlformats.org/officeDocument/2006/relationships" xmlns:p="http://schemas.openxmlformats.org/presentationml/2006/main">
   <p:cSld>
@@ -5101,16 +8543,34 @@
             <p:ph type="title"/>
           </p:nvPr>
         </p:nvSpPr>
-        <p:spPr/>
-        <p:txBody>
-          <a:bodyPr/>
+        <p:spPr>
+          <a:xfrm>
+            <a:off x="1187334" y="240434"/>
+            <a:ext cx="10515600" cy="1325563"/>
+          </a:xfrm>
+        </p:spPr>
+        <p:txBody>
+          <a:bodyPr>
+            <a:normAutofit/>
+          </a:bodyPr>
           <a:lstStyle/>
           <a:p>
             <a:r>
-              <a:rPr lang="fr-FR" dirty="0" smtClean="0"/>
-              <a:t>Avantages GIT</a:t>
-            </a:r>
-            <a:endParaRPr lang="fr-FR" dirty="0"/>
+              <a:rPr lang="fr-FR" sz="3600" b="1" u="sng" dirty="0"/>
+              <a:t>Chapitre 1: Présentation</a:t>
+            </a:r>
+            <a:br>
+              <a:rPr lang="fr-FR" sz="3600" b="1" u="sng" dirty="0"/>
+            </a:br>
+            <a:r>
+              <a:rPr lang="fr-FR" sz="3600" u="sng" dirty="0"/>
+              <a:t>a. Rôles de </a:t>
+            </a:r>
+            <a:r>
+              <a:rPr lang="fr-FR" sz="3600" u="sng" dirty="0" smtClean="0"/>
+              <a:t>Git (suite)</a:t>
+            </a:r>
+            <a:endParaRPr lang="fr-FR" sz="3600" u="sng" dirty="0"/>
           </a:p>
         </p:txBody>
       </p:sp>
@@ -5177,6 +8637,229 @@
     <p:extLst>
       <p:ext uri="{BB962C8B-B14F-4D97-AF65-F5344CB8AC3E}">
         <p14:creationId xmlns:p14="http://schemas.microsoft.com/office/powerpoint/2010/main" val="1438837807"/>
+      </p:ext>
+    </p:extLst>
+  </p:cSld>
+  <p:clrMapOvr>
+    <a:masterClrMapping/>
+  </p:clrMapOvr>
+</p:sld>
+</file>
+
+<file path=ppt/slides/slide30.xml><?xml version="1.0" encoding="utf-8"?>
+<p:sld xmlns:a="http://schemas.openxmlformats.org/drawingml/2006/main" xmlns:r="http://schemas.openxmlformats.org/officeDocument/2006/relationships" xmlns:p="http://schemas.openxmlformats.org/presentationml/2006/main">
+  <p:cSld>
+    <p:spTree>
+      <p:nvGrpSpPr>
+        <p:cNvPr id="1" name=""/>
+        <p:cNvGrpSpPr/>
+        <p:nvPr/>
+      </p:nvGrpSpPr>
+      <p:grpSpPr>
+        <a:xfrm>
+          <a:off x="0" y="0"/>
+          <a:ext cx="0" cy="0"/>
+          <a:chOff x="0" y="0"/>
+          <a:chExt cx="0" cy="0"/>
+        </a:xfrm>
+      </p:grpSpPr>
+      <p:sp>
+        <p:nvSpPr>
+          <p:cNvPr id="3" name="Espace réservé du contenu 2"/>
+          <p:cNvSpPr>
+            <a:spLocks noGrp="1"/>
+          </p:cNvSpPr>
+          <p:nvPr>
+            <p:ph idx="1"/>
+          </p:nvPr>
+        </p:nvSpPr>
+        <p:spPr>
+          <a:xfrm>
+            <a:off x="838200" y="415636"/>
+            <a:ext cx="10515600" cy="5761327"/>
+          </a:xfrm>
+        </p:spPr>
+        <p:txBody>
+          <a:bodyPr/>
+          <a:lstStyle/>
+          <a:p>
+            <a:pPr marL="0" indent="0">
+              <a:buNone/>
+            </a:pPr>
+            <a:r>
+              <a:rPr lang="fr-FR" dirty="0" smtClean="0"/>
+              <a:t>19) GitHub </a:t>
+            </a:r>
+            <a:r>
+              <a:rPr lang="fr-FR" dirty="0"/>
+              <a:t>ne permet pas de</a:t>
+            </a:r>
+            <a:r>
+              <a:rPr lang="fr-FR" dirty="0" smtClean="0"/>
+              <a:t>...</a:t>
+            </a:r>
+          </a:p>
+          <a:p>
+            <a:pPr marL="0" indent="0">
+              <a:buNone/>
+            </a:pPr>
+            <a:endParaRPr lang="fr-FR" dirty="0"/>
+          </a:p>
+          <a:p>
+            <a:r>
+              <a:rPr lang="fr-FR" dirty="0"/>
+              <a:t>Partager du code</a:t>
+            </a:r>
+          </a:p>
+          <a:p>
+            <a:r>
+              <a:rPr lang="fr-FR" dirty="0"/>
+              <a:t>Modifier du code en ligne</a:t>
+            </a:r>
+          </a:p>
+          <a:p>
+            <a:r>
+              <a:rPr lang="fr-FR" dirty="0">
+                <a:solidFill>
+                  <a:srgbClr val="00B050"/>
+                </a:solidFill>
+              </a:rPr>
+              <a:t>Discuter par chat</a:t>
+            </a:r>
+          </a:p>
+          <a:p>
+            <a:r>
+              <a:rPr lang="fr-FR" dirty="0"/>
+              <a:t>Organiser un projet avec des tickets</a:t>
+            </a:r>
+          </a:p>
+          <a:p>
+            <a:endParaRPr lang="fr-FR" dirty="0"/>
+          </a:p>
+        </p:txBody>
+      </p:sp>
+    </p:spTree>
+    <p:extLst>
+      <p:ext uri="{BB962C8B-B14F-4D97-AF65-F5344CB8AC3E}">
+        <p14:creationId xmlns:p14="http://schemas.microsoft.com/office/powerpoint/2010/main" val="667559348"/>
+      </p:ext>
+    </p:extLst>
+  </p:cSld>
+  <p:clrMapOvr>
+    <a:masterClrMapping/>
+  </p:clrMapOvr>
+</p:sld>
+</file>
+
+<file path=ppt/slides/slide31.xml><?xml version="1.0" encoding="utf-8"?>
+<p:sld xmlns:a="http://schemas.openxmlformats.org/drawingml/2006/main" xmlns:r="http://schemas.openxmlformats.org/officeDocument/2006/relationships" xmlns:p="http://schemas.openxmlformats.org/presentationml/2006/main">
+  <p:cSld>
+    <p:spTree>
+      <p:nvGrpSpPr>
+        <p:cNvPr id="1" name=""/>
+        <p:cNvGrpSpPr/>
+        <p:nvPr/>
+      </p:nvGrpSpPr>
+      <p:grpSpPr>
+        <a:xfrm>
+          <a:off x="0" y="0"/>
+          <a:ext cx="0" cy="0"/>
+          <a:chOff x="0" y="0"/>
+          <a:chExt cx="0" cy="0"/>
+        </a:xfrm>
+      </p:grpSpPr>
+      <p:sp>
+        <p:nvSpPr>
+          <p:cNvPr id="3" name="Espace réservé du contenu 2"/>
+          <p:cNvSpPr>
+            <a:spLocks noGrp="1"/>
+          </p:cNvSpPr>
+          <p:nvPr>
+            <p:ph idx="1"/>
+          </p:nvPr>
+        </p:nvSpPr>
+        <p:spPr>
+          <a:xfrm>
+            <a:off x="838200" y="415636"/>
+            <a:ext cx="10515600" cy="5761327"/>
+          </a:xfrm>
+        </p:spPr>
+        <p:txBody>
+          <a:bodyPr/>
+          <a:lstStyle/>
+          <a:p>
+            <a:pPr marL="0" indent="0">
+              <a:buNone/>
+            </a:pPr>
+            <a:r>
+              <a:rPr lang="fr-FR" smtClean="0"/>
+              <a:t>20) Comment </a:t>
+            </a:r>
+            <a:r>
+              <a:rPr lang="fr-FR" dirty="0"/>
+              <a:t>est nommé le </a:t>
+            </a:r>
+            <a:r>
+              <a:rPr lang="fr-FR" dirty="0" err="1"/>
+              <a:t>remote</a:t>
+            </a:r>
+            <a:r>
+              <a:rPr lang="fr-FR" dirty="0"/>
+              <a:t> par défaut </a:t>
+            </a:r>
+            <a:r>
+              <a:rPr lang="fr-FR" dirty="0" smtClean="0"/>
+              <a:t>?</a:t>
+            </a:r>
+          </a:p>
+          <a:p>
+            <a:pPr marL="0" indent="0">
+              <a:buNone/>
+            </a:pPr>
+            <a:endParaRPr lang="fr-FR" dirty="0"/>
+          </a:p>
+          <a:p>
+            <a:r>
+              <a:rPr lang="fr-FR" dirty="0" err="1">
+                <a:solidFill>
+                  <a:srgbClr val="00B050"/>
+                </a:solidFill>
+              </a:rPr>
+              <a:t>Origin</a:t>
+            </a:r>
+            <a:endParaRPr lang="fr-FR" dirty="0">
+              <a:solidFill>
+                <a:srgbClr val="00B050"/>
+              </a:solidFill>
+            </a:endParaRPr>
+          </a:p>
+          <a:p>
+            <a:r>
+              <a:rPr lang="fr-FR" dirty="0"/>
+              <a:t>Base</a:t>
+            </a:r>
+          </a:p>
+          <a:p>
+            <a:r>
+              <a:rPr lang="fr-FR" dirty="0"/>
+              <a:t>Master</a:t>
+            </a:r>
+          </a:p>
+          <a:p>
+            <a:r>
+              <a:rPr lang="fr-FR" dirty="0"/>
+              <a:t>GitHub</a:t>
+            </a:r>
+          </a:p>
+          <a:p>
+            <a:endParaRPr lang="fr-FR" dirty="0"/>
+          </a:p>
+        </p:txBody>
+      </p:sp>
+    </p:spTree>
+    <p:extLst>
+      <p:ext uri="{BB962C8B-B14F-4D97-AF65-F5344CB8AC3E}">
+        <p14:creationId xmlns:p14="http://schemas.microsoft.com/office/powerpoint/2010/main" val="1883408268"/>
       </p:ext>
     </p:extLst>
   </p:cSld>
@@ -5215,27 +8898,21 @@
         </p:nvSpPr>
         <p:spPr/>
         <p:txBody>
-          <a:bodyPr/>
+          <a:bodyPr>
+            <a:normAutofit/>
+          </a:bodyPr>
           <a:lstStyle/>
           <a:p>
             <a:r>
-              <a:rPr lang="fr-FR" dirty="0"/>
+              <a:rPr lang="fr-FR" sz="3600" b="1" u="sng" dirty="0"/>
               <a:t>Chapitre 1: Présentation</a:t>
             </a:r>
-            <a:r>
-              <a:rPr lang="fr-FR" dirty="0" smtClean="0"/>
-              <a:t/>
-            </a:r>
             <a:br>
-              <a:rPr lang="fr-FR" dirty="0" smtClean="0"/>
+              <a:rPr lang="fr-FR" sz="3600" b="1" u="sng" dirty="0"/>
             </a:br>
             <a:r>
-              <a:rPr lang="fr-FR" dirty="0" smtClean="0"/>
-              <a:t>b</a:t>
-            </a:r>
-            <a:r>
-              <a:rPr lang="fr-FR" dirty="0"/>
-              <a:t>. Historique</a:t>
+              <a:rPr lang="fr-FR" sz="3600" u="sng" dirty="0"/>
+              <a:t>b. Historique</a:t>
             </a:r>
           </a:p>
         </p:txBody>
@@ -5356,54 +9033,101 @@
         </p:nvSpPr>
         <p:spPr/>
         <p:txBody>
+          <a:bodyPr>
+            <a:normAutofit/>
+          </a:bodyPr>
+          <a:lstStyle/>
+          <a:p>
+            <a:pPr marL="457200" lvl="1" indent="0" algn="l" rtl="0">
+              <a:lnSpc>
+                <a:spcPct val="90000"/>
+              </a:lnSpc>
+              <a:spcBef>
+                <a:spcPct val="0"/>
+              </a:spcBef>
+            </a:pPr>
+            <a:r>
+              <a:rPr lang="fr-FR" sz="3600" b="1" u="sng" kern="1200" dirty="0">
+                <a:solidFill>
+                  <a:schemeClr val="tx1"/>
+                </a:solidFill>
+                <a:latin typeface="+mj-lt"/>
+                <a:ea typeface="+mj-ea"/>
+                <a:cs typeface="+mj-cs"/>
+              </a:rPr>
+              <a:t>Chapitre 1: Présentation</a:t>
+            </a:r>
+            <a:br>
+              <a:rPr lang="fr-FR" sz="3600" b="1" u="sng" kern="1200" dirty="0">
+                <a:solidFill>
+                  <a:schemeClr val="tx1"/>
+                </a:solidFill>
+                <a:latin typeface="+mj-lt"/>
+                <a:ea typeface="+mj-ea"/>
+                <a:cs typeface="+mj-cs"/>
+              </a:rPr>
+            </a:br>
+            <a:r>
+              <a:rPr lang="fr-FR" sz="3600" u="sng" kern="1200" dirty="0">
+                <a:solidFill>
+                  <a:schemeClr val="tx1"/>
+                </a:solidFill>
+                <a:latin typeface="+mj-lt"/>
+                <a:ea typeface="+mj-ea"/>
+                <a:cs typeface="+mj-cs"/>
+              </a:rPr>
+              <a:t>c. Liens entre Git et </a:t>
+            </a:r>
+            <a:r>
+              <a:rPr lang="fr-FR" sz="3600" u="sng" kern="1200" dirty="0" err="1">
+                <a:solidFill>
+                  <a:schemeClr val="tx1"/>
+                </a:solidFill>
+                <a:latin typeface="+mj-lt"/>
+                <a:ea typeface="+mj-ea"/>
+                <a:cs typeface="+mj-cs"/>
+              </a:rPr>
+              <a:t>Github</a:t>
+            </a:r>
+            <a:endParaRPr lang="fr-FR" sz="3600" u="sng" kern="1200" dirty="0">
+              <a:solidFill>
+                <a:schemeClr val="tx1"/>
+              </a:solidFill>
+              <a:latin typeface="+mj-lt"/>
+              <a:ea typeface="+mj-ea"/>
+              <a:cs typeface="+mj-cs"/>
+            </a:endParaRPr>
+          </a:p>
+        </p:txBody>
+      </p:sp>
+      <p:sp>
+        <p:nvSpPr>
+          <p:cNvPr id="3" name="Espace réservé du contenu 2"/>
+          <p:cNvSpPr>
+            <a:spLocks noGrp="1"/>
+          </p:cNvSpPr>
+          <p:nvPr>
+            <p:ph idx="1"/>
+          </p:nvPr>
+        </p:nvSpPr>
+        <p:spPr/>
+        <p:txBody>
           <a:bodyPr/>
           <a:lstStyle/>
           <a:p>
-            <a:pPr marL="457200" lvl="1" indent="0">
-              <a:buNone/>
-            </a:pPr>
-            <a:r>
-              <a:rPr lang="fr-FR" dirty="0"/>
-              <a:t>Chapitre 1: Présentation</a:t>
-            </a:r>
-            <a:br>
-              <a:rPr lang="fr-FR" dirty="0"/>
-            </a:br>
-            <a:r>
-              <a:rPr lang="fr-FR" dirty="0" smtClean="0"/>
-              <a:t>c. Liens entre Git et </a:t>
-            </a:r>
-            <a:r>
-              <a:rPr lang="fr-FR" dirty="0" err="1" smtClean="0"/>
-              <a:t>Github</a:t>
-            </a:r>
-            <a:endParaRPr lang="fr-FR" dirty="0" smtClean="0"/>
-          </a:p>
-        </p:txBody>
-      </p:sp>
-      <p:sp>
-        <p:nvSpPr>
-          <p:cNvPr id="3" name="Espace réservé du contenu 2"/>
-          <p:cNvSpPr>
-            <a:spLocks noGrp="1"/>
-          </p:cNvSpPr>
-          <p:nvPr>
-            <p:ph idx="1"/>
-          </p:nvPr>
-        </p:nvSpPr>
-        <p:spPr/>
-        <p:txBody>
-          <a:bodyPr/>
-          <a:lstStyle/>
-          <a:p>
             <a:r>
               <a:rPr lang="fr-FR" b="1" dirty="0"/>
               <a:t>GitHub </a:t>
             </a:r>
             <a:r>
               <a:rPr lang="fr-FR" dirty="0"/>
-              <a:t>est une entreprise qui fournit un hébergement de référentiel Git. Cela signifie qu’ils fournissent une solution clé en main pour héberger des référentiels Git sur leurs serveurs</a:t>
-            </a:r>
+              <a:t>est une entreprise qui fournit un hébergement de référentiel Git. Cela signifie qu’ils fournissent une solution clé en main pour héberger des référentiels Git sur leurs </a:t>
+            </a:r>
+            <a:r>
+              <a:rPr lang="fr-FR" dirty="0" smtClean="0"/>
+              <a:t>serveurs.</a:t>
+            </a:r>
+            <a:endParaRPr lang="fr-FR" dirty="0"/>
           </a:p>
           <a:p>
             <a:endParaRPr lang="fr-FR" dirty="0"/>
@@ -5433,6 +9157,11 @@
 <file path=ppt/slides/slide6.xml><?xml version="1.0" encoding="utf-8"?>
 <p:sld xmlns:a="http://schemas.openxmlformats.org/drawingml/2006/main" xmlns:r="http://schemas.openxmlformats.org/officeDocument/2006/relationships" xmlns:p="http://schemas.openxmlformats.org/presentationml/2006/main">
   <p:cSld>
+    <p:bg>
+      <p:bgRef idx="1001">
+        <a:schemeClr val="bg1"/>
+      </p:bgRef>
+    </p:bg>
     <p:spTree>
       <p:nvGrpSpPr>
         <p:cNvPr id="1" name=""/>
@@ -5459,20 +9188,55 @@
         </p:nvSpPr>
         <p:spPr/>
         <p:txBody>
-          <a:bodyPr/>
+          <a:bodyPr>
+            <a:normAutofit fontScale="90000"/>
+          </a:bodyPr>
           <a:lstStyle/>
           <a:p>
             <a:pPr marL="457200" lvl="1" indent="0"/>
             <a:r>
+              <a:rPr lang="fr-FR" sz="4000" b="1" u="sng" kern="1200" dirty="0">
+                <a:solidFill>
+                  <a:schemeClr val="tx1"/>
+                </a:solidFill>
+                <a:latin typeface="+mj-lt"/>
+                <a:ea typeface="+mj-ea"/>
+                <a:cs typeface="+mj-cs"/>
+              </a:rPr>
+              <a:t>Chapitre 2: Installation</a:t>
+            </a:r>
+            <a:r>
               <a:rPr lang="fr-FR" dirty="0" smtClean="0"/>
-              <a:t>Chapitre 2: Installation</a:t>
+              <a:t/>
             </a:r>
             <a:br>
               <a:rPr lang="fr-FR" dirty="0" smtClean="0"/>
             </a:br>
             <a:r>
+              <a:rPr lang="fr-FR" sz="3600" u="sng" kern="1200" dirty="0" smtClean="0">
+                <a:solidFill>
+                  <a:schemeClr val="tx1"/>
+                </a:solidFill>
+                <a:latin typeface="+mj-lt"/>
+                <a:ea typeface="+mj-ea"/>
+                <a:cs typeface="+mj-cs"/>
+              </a:rPr>
+              <a:t>a</a:t>
+            </a:r>
+            <a:r>
+              <a:rPr lang="fr-FR" sz="3600" u="sng" kern="1200" dirty="0">
+                <a:solidFill>
+                  <a:schemeClr val="tx1"/>
+                </a:solidFill>
+                <a:latin typeface="+mj-lt"/>
+                <a:ea typeface="+mj-ea"/>
+                <a:cs typeface="+mj-cs"/>
+              </a:rPr>
+              <a:t>. Les prérequis pour l’installation</a:t>
+            </a:r>
+            <a:r>
               <a:rPr lang="fr-FR" dirty="0" smtClean="0"/>
-              <a:t>       a. Les prérequis pour l’installation</a:t>
+              <a:t/>
             </a:r>
             <a:br>
               <a:rPr lang="fr-FR" dirty="0" smtClean="0"/>
@@ -5530,7 +9294,7 @@
             </a:r>
             <a:r>
               <a:rPr lang="fr-FR" u="sng" dirty="0">
-                <a:hlinkClick r:id="rId2"/>
+                <a:hlinkClick r:id="rId3"/>
               </a:rPr>
               <a:t>cette explication détaillée</a:t>
             </a:r>
@@ -5576,7 +9340,7 @@
     </p:extLst>
   </p:cSld>
   <p:clrMapOvr>
-    <a:masterClrMapping/>
+    <a:overrideClrMapping bg1="lt1" tx1="dk1" bg2="lt2" tx2="dk2" accent1="accent1" accent2="accent2" accent3="accent3" accent4="accent4" accent5="accent5" accent6="accent6" hlink="hlink" folHlink="folHlink"/>
   </p:clrMapOvr>
   <p:timing>
     <p:tnLst>
@@ -5617,25 +9381,67 @@
         </p:nvSpPr>
         <p:spPr/>
         <p:txBody>
-          <a:bodyPr/>
+          <a:bodyPr>
+            <a:normAutofit fontScale="90000"/>
+          </a:bodyPr>
           <a:lstStyle/>
           <a:p>
             <a:pPr marL="457200" lvl="1" indent="0"/>
             <a:r>
-              <a:rPr lang="fr-FR" dirty="0" smtClean="0"/>
+              <a:rPr lang="fr-FR" sz="4000" b="1" u="sng" kern="1200" dirty="0">
+                <a:solidFill>
+                  <a:schemeClr val="tx1"/>
+                </a:solidFill>
+                <a:latin typeface="+mj-lt"/>
+                <a:ea typeface="+mj-ea"/>
+                <a:cs typeface="+mj-cs"/>
+              </a:rPr>
               <a:t>Chapitre 2: Installation</a:t>
             </a:r>
+            <a:r>
+              <a:rPr lang="fr-FR" dirty="0">
+                <a:latin typeface="+mj-lt"/>
+                <a:ea typeface="+mj-ea"/>
+                <a:cs typeface="+mj-cs"/>
+              </a:rPr>
+              <a:t/>
+            </a:r>
             <a:br>
-              <a:rPr lang="fr-FR" dirty="0" smtClean="0"/>
+              <a:rPr lang="fr-FR" dirty="0">
+                <a:latin typeface="+mj-lt"/>
+                <a:ea typeface="+mj-ea"/>
+                <a:cs typeface="+mj-cs"/>
+              </a:rPr>
             </a:br>
             <a:r>
-              <a:rPr lang="fr-FR" dirty="0" smtClean="0"/>
-              <a:t>       b. Les commandes pour l’installation</a:t>
+              <a:rPr lang="fr-FR" sz="3600" u="sng" kern="1200" dirty="0">
+                <a:solidFill>
+                  <a:schemeClr val="tx1"/>
+                </a:solidFill>
+                <a:latin typeface="+mj-lt"/>
+                <a:ea typeface="+mj-ea"/>
+                <a:cs typeface="+mj-cs"/>
+              </a:rPr>
+              <a:t>b. Les commandes pour l’installation</a:t>
             </a:r>
             <a:br>
-              <a:rPr lang="fr-FR" dirty="0" smtClean="0"/>
+              <a:rPr lang="fr-FR" sz="3600" u="sng" kern="1200" dirty="0">
+                <a:solidFill>
+                  <a:schemeClr val="tx1"/>
+                </a:solidFill>
+                <a:latin typeface="+mj-lt"/>
+                <a:ea typeface="+mj-ea"/>
+                <a:cs typeface="+mj-cs"/>
+              </a:rPr>
             </a:br>
-            <a:endParaRPr lang="fr-FR" dirty="0"/>
+            <a:endParaRPr lang="fr-FR" sz="3600" u="sng" kern="1200" dirty="0">
+              <a:solidFill>
+                <a:schemeClr val="tx1"/>
+              </a:solidFill>
+              <a:latin typeface="+mj-lt"/>
+              <a:ea typeface="+mj-ea"/>
+              <a:cs typeface="+mj-cs"/>
+            </a:endParaRPr>
           </a:p>
         </p:txBody>
       </p:sp>
@@ -5790,21 +9596,45 @@
           <a:p>
             <a:pPr marL="457200" lvl="1" indent="0"/>
             <a:r>
+              <a:rPr lang="fr-FR" sz="3600" b="1" u="sng" kern="1200" dirty="0">
+                <a:solidFill>
+                  <a:schemeClr val="tx1"/>
+                </a:solidFill>
+                <a:latin typeface="+mj-lt"/>
+                <a:ea typeface="+mj-ea"/>
+                <a:cs typeface="+mj-cs"/>
+              </a:rPr>
+              <a:t>Chapitre 3: Commandes</a:t>
+            </a:r>
+            <a:r>
               <a:rPr lang="fr-FR" dirty="0" smtClean="0"/>
-              <a:t>Chapitre 3: Commandes</a:t>
+              <a:t/>
             </a:r>
             <a:br>
               <a:rPr lang="fr-FR" dirty="0" smtClean="0"/>
             </a:br>
             <a:r>
-              <a:rPr lang="fr-FR" dirty="0" smtClean="0"/>
-              <a:t>       a. </a:t>
-            </a:r>
-            <a:r>
-              <a:rPr lang="fr-FR" dirty="0" smtClean="0"/>
-              <a:t>Vue générale de GIT</a:t>
-            </a:r>
-            <a:endParaRPr lang="fr-FR" dirty="0"/>
+              <a:rPr lang="fr-FR" sz="2900" u="sng" kern="1200" dirty="0" smtClean="0">
+                <a:solidFill>
+                  <a:schemeClr val="tx1"/>
+                </a:solidFill>
+                <a:latin typeface="+mj-lt"/>
+                <a:ea typeface="+mj-ea"/>
+                <a:cs typeface="+mj-cs"/>
+              </a:rPr>
+              <a:t>a</a:t>
+            </a:r>
+            <a:r>
+              <a:rPr lang="fr-FR" sz="3200" u="sng" kern="1200" dirty="0">
+                <a:solidFill>
+                  <a:schemeClr val="tx1"/>
+                </a:solidFill>
+                <a:latin typeface="+mj-lt"/>
+                <a:ea typeface="+mj-ea"/>
+                <a:cs typeface="+mj-cs"/>
+              </a:rPr>
+              <a:t>. Vue générale de GIT</a:t>
+            </a:r>
           </a:p>
         </p:txBody>
       </p:sp>
@@ -6368,7 +10198,7 @@
         </p:spPr>
         <p:txBody>
           <a:bodyPr vert="horz" lIns="91440" tIns="45720" rIns="91440" bIns="45720" rtlCol="0" anchor="ctr">
-            <a:normAutofit fontScale="92500" lnSpcReduction="10000"/>
+            <a:normAutofit fontScale="47500" lnSpcReduction="20000"/>
           </a:bodyPr>
           <a:lstStyle>
             <a:lvl1pPr algn="l" defTabSz="914400" rtl="0" eaLnBrk="1" latinLnBrk="0" hangingPunct="1">
@@ -6389,6 +10219,19 @@
               </a:defRPr>
             </a:lvl1pPr>
           </a:lstStyle>
+          <a:p>
+            <a:pPr lvl="1">
+              <a:defRPr/>
+            </a:pPr>
+            <a:r>
+              <a:rPr lang="fr-FR" sz="5800" b="1" u="sng" dirty="0">
+                <a:latin typeface="+mj-lt"/>
+                <a:ea typeface="+mj-ea"/>
+                <a:cs typeface="+mj-cs"/>
+              </a:rPr>
+              <a:t>Chapitre 3: Commandes</a:t>
+            </a:r>
+          </a:p>
           <a:p>
             <a:pPr marL="457200" marR="0" lvl="1" indent="0" algn="l" defTabSz="914400" rtl="0" eaLnBrk="1" fontAlgn="auto" latinLnBrk="0" hangingPunct="1">
               <a:lnSpc>
@@ -6408,19 +10251,10 @@
               <a:defRPr/>
             </a:pPr>
             <a:r>
-              <a:rPr kumimoji="0" lang="fr-FR" sz="1800" b="0" i="0" u="none" strike="noStrike" kern="1200" cap="none" spc="0" normalizeH="0" baseline="0" noProof="0" dirty="0">
-                <a:ln>
-                  <a:noFill/>
-                </a:ln>
-                <a:solidFill>
-                  <a:prstClr val="black"/>
-                </a:solidFill>
-                <a:effectLst/>
-                <a:uLnTx/>
-                <a:uFillTx/>
-                <a:latin typeface="Calibri" panose="020F0502020204030204"/>
-                <a:ea typeface="+mn-ea"/>
-                <a:cs typeface="+mn-cs"/>
+              <a:rPr lang="fr-FR" sz="5800" u="sng" dirty="0">
+                <a:latin typeface="+mj-lt"/>
+                <a:ea typeface="+mj-ea"/>
+                <a:cs typeface="+mj-cs"/>
               </a:rPr>
               <a:t>b. Organisation des différentes étapes pour transférer les données</a:t>
             </a:r>
@@ -7398,4 +11232,308 @@
     </a:ext>
   </a:extLst>
 </a:theme>
+</file>
+
+<file path=ppt/theme/theme2.xml><?xml version="1.0" encoding="utf-8"?>
+<a:theme xmlns:a="http://schemas.openxmlformats.org/drawingml/2006/main" name="Thème Office">
+  <a:themeElements>
+    <a:clrScheme name="Office">
+      <a:dk1>
+        <a:sysClr val="windowText" lastClr="000000"/>
+      </a:dk1>
+      <a:lt1>
+        <a:sysClr val="window" lastClr="FFFFFF"/>
+      </a:lt1>
+      <a:dk2>
+        <a:srgbClr val="44546A"/>
+      </a:dk2>
+      <a:lt2>
+        <a:srgbClr val="E7E6E6"/>
+      </a:lt2>
+      <a:accent1>
+        <a:srgbClr val="5B9BD5"/>
+      </a:accent1>
+      <a:accent2>
+        <a:srgbClr val="ED7D31"/>
+      </a:accent2>
+      <a:accent3>
+        <a:srgbClr val="A5A5A5"/>
+      </a:accent3>
+      <a:accent4>
+        <a:srgbClr val="FFC000"/>
+      </a:accent4>
+      <a:accent5>
+        <a:srgbClr val="4472C4"/>
+      </a:accent5>
+      <a:accent6>
+        <a:srgbClr val="70AD47"/>
+      </a:accent6>
+      <a:hlink>
+        <a:srgbClr val="0563C1"/>
+      </a:hlink>
+      <a:folHlink>
+        <a:srgbClr val="954F72"/>
+      </a:folHlink>
+    </a:clrScheme>
+    <a:fontScheme name="Office">
+      <a:majorFont>
+        <a:latin typeface="Calibri Light" panose="020F0302020204030204"/>
+        <a:ea typeface=""/>
+        <a:cs typeface=""/>
+        <a:font script="Jpan" typeface="游ゴシック Light"/>
+        <a:font script="Hang" typeface="맑은 고딕"/>
+        <a:font script="Hans" typeface="等线 Light"/>
+        <a:font script="Hant" typeface="新細明體"/>
+        <a:font script="Arab" typeface="Times New Roman"/>
+        <a:font script="Hebr" typeface="Times New Roman"/>
+        <a:font script="Thai" typeface="Angsana New"/>
+        <a:font script="Ethi" typeface="Nyala"/>
+        <a:font script="Beng" typeface="Vrinda"/>
+        <a:font script="Gujr" typeface="Shruti"/>
+        <a:font script="Khmr" typeface="MoolBoran"/>
+        <a:font script="Knda" typeface="Tunga"/>
+        <a:font script="Guru" typeface="Raavi"/>
+        <a:font script="Cans" typeface="Euphemia"/>
+        <a:font script="Cher" typeface="Plantagenet Cherokee"/>
+        <a:font script="Yiii" typeface="Microsoft Yi Baiti"/>
+        <a:font script="Tibt" typeface="Microsoft Himalaya"/>
+        <a:font script="Thaa" typeface="MV Boli"/>
+        <a:font script="Deva" typeface="Mangal"/>
+        <a:font script="Telu" typeface="Gautami"/>
+        <a:font script="Taml" typeface="Latha"/>
+        <a:font script="Syrc" typeface="Estrangelo Edessa"/>
+        <a:font script="Orya" typeface="Kalinga"/>
+        <a:font script="Mlym" typeface="Kartika"/>
+        <a:font script="Laoo" typeface="DokChampa"/>
+        <a:font script="Sinh" typeface="Iskoola Pota"/>
+        <a:font script="Mong" typeface="Mongolian Baiti"/>
+        <a:font script="Viet" typeface="Times New Roman"/>
+        <a:font script="Uigh" typeface="Microsoft Uighur"/>
+        <a:font script="Geor" typeface="Sylfaen"/>
+      </a:majorFont>
+      <a:minorFont>
+        <a:latin typeface="Calibri" panose="020F0502020204030204"/>
+        <a:ea typeface=""/>
+        <a:cs typeface=""/>
+        <a:font script="Jpan" typeface="游ゴシック"/>
+        <a:font script="Hang" typeface="맑은 고딕"/>
+        <a:font script="Hans" typeface="等线"/>
+        <a:font script="Hant" typeface="新細明體"/>
+        <a:font script="Arab" typeface="Arial"/>
+        <a:font script="Hebr" typeface="Arial"/>
+        <a:font script="Thai" typeface="Cordia New"/>
+        <a:font script="Ethi" typeface="Nyala"/>
+        <a:font script="Beng" typeface="Vrinda"/>
+        <a:font script="Gujr" typeface="Shruti"/>
+        <a:font script="Khmr" typeface="DaunPenh"/>
+        <a:font script="Knda" typeface="Tunga"/>
+        <a:font script="Guru" typeface="Raavi"/>
+        <a:font script="Cans" typeface="Euphemia"/>
+        <a:font script="Cher" typeface="Plantagenet Cherokee"/>
+        <a:font script="Yiii" typeface="Microsoft Yi Baiti"/>
+        <a:font script="Tibt" typeface="Microsoft Himalaya"/>
+        <a:font script="Thaa" typeface="MV Boli"/>
+        <a:font script="Deva" typeface="Mangal"/>
+        <a:font script="Telu" typeface="Gautami"/>
+        <a:font script="Taml" typeface="Latha"/>
+        <a:font script="Syrc" typeface="Estrangelo Edessa"/>
+        <a:font script="Orya" typeface="Kalinga"/>
+        <a:font script="Mlym" typeface="Kartika"/>
+        <a:font script="Laoo" typeface="DokChampa"/>
+        <a:font script="Sinh" typeface="Iskoola Pota"/>
+        <a:font script="Mong" typeface="Mongolian Baiti"/>
+        <a:font script="Viet" typeface="Arial"/>
+        <a:font script="Uigh" typeface="Microsoft Uighur"/>
+        <a:font script="Geor" typeface="Sylfaen"/>
+      </a:minorFont>
+    </a:fontScheme>
+    <a:fmtScheme name="Office">
+      <a:fillStyleLst>
+        <a:solidFill>
+          <a:schemeClr val="phClr"/>
+        </a:solidFill>
+        <a:gradFill rotWithShape="1">
+          <a:gsLst>
+            <a:gs pos="0">
+              <a:schemeClr val="phClr">
+                <a:lumMod val="110000"/>
+                <a:satMod val="105000"/>
+                <a:tint val="67000"/>
+              </a:schemeClr>
+            </a:gs>
+            <a:gs pos="50000">
+              <a:schemeClr val="phClr">
+                <a:lumMod val="105000"/>
+                <a:satMod val="103000"/>
+                <a:tint val="73000"/>
+              </a:schemeClr>
+            </a:gs>
+            <a:gs pos="100000">
+              <a:schemeClr val="phClr">
+                <a:lumMod val="105000"/>
+                <a:satMod val="109000"/>
+                <a:tint val="81000"/>
+              </a:schemeClr>
+            </a:gs>
+          </a:gsLst>
+          <a:lin ang="5400000" scaled="0"/>
+        </a:gradFill>
+        <a:gradFill rotWithShape="1">
+          <a:gsLst>
+            <a:gs pos="0">
+              <a:schemeClr val="phClr">
+                <a:satMod val="103000"/>
+                <a:lumMod val="102000"/>
+                <a:tint val="94000"/>
+              </a:schemeClr>
+            </a:gs>
+            <a:gs pos="50000">
+              <a:schemeClr val="phClr">
+                <a:satMod val="110000"/>
+                <a:lumMod val="100000"/>
+                <a:shade val="100000"/>
+              </a:schemeClr>
+            </a:gs>
+            <a:gs pos="100000">
+              <a:schemeClr val="phClr">
+                <a:lumMod val="99000"/>
+                <a:satMod val="120000"/>
+                <a:shade val="78000"/>
+              </a:schemeClr>
+            </a:gs>
+          </a:gsLst>
+          <a:lin ang="5400000" scaled="0"/>
+        </a:gradFill>
+      </a:fillStyleLst>
+      <a:lnStyleLst>
+        <a:ln w="6350" cap="flat" cmpd="sng" algn="ctr">
+          <a:solidFill>
+            <a:schemeClr val="phClr"/>
+          </a:solidFill>
+          <a:prstDash val="solid"/>
+          <a:miter lim="800000"/>
+        </a:ln>
+        <a:ln w="12700" cap="flat" cmpd="sng" algn="ctr">
+          <a:solidFill>
+            <a:schemeClr val="phClr"/>
+          </a:solidFill>
+          <a:prstDash val="solid"/>
+          <a:miter lim="800000"/>
+        </a:ln>
+        <a:ln w="19050" cap="flat" cmpd="sng" algn="ctr">
+          <a:solidFill>
+            <a:schemeClr val="phClr"/>
+          </a:solidFill>
+          <a:prstDash val="solid"/>
+          <a:miter lim="800000"/>
+        </a:ln>
+      </a:lnStyleLst>
+      <a:effectStyleLst>
+        <a:effectStyle>
+          <a:effectLst/>
+        </a:effectStyle>
+        <a:effectStyle>
+          <a:effectLst/>
+        </a:effectStyle>
+        <a:effectStyle>
+          <a:effectLst>
+            <a:outerShdw blurRad="57150" dist="19050" dir="5400000" algn="ctr" rotWithShape="0">
+              <a:srgbClr val="000000">
+                <a:alpha val="63000"/>
+              </a:srgbClr>
+            </a:outerShdw>
+          </a:effectLst>
+        </a:effectStyle>
+      </a:effectStyleLst>
+      <a:bgFillStyleLst>
+        <a:solidFill>
+          <a:schemeClr val="phClr"/>
+        </a:solidFill>
+        <a:solidFill>
+          <a:schemeClr val="phClr">
+            <a:tint val="95000"/>
+            <a:satMod val="170000"/>
+          </a:schemeClr>
+        </a:solidFill>
+        <a:gradFill rotWithShape="1">
+          <a:gsLst>
+            <a:gs pos="0">
+              <a:schemeClr val="phClr">
+                <a:tint val="93000"/>
+                <a:satMod val="150000"/>
+                <a:shade val="98000"/>
+                <a:lumMod val="102000"/>
+              </a:schemeClr>
+            </a:gs>
+            <a:gs pos="50000">
+              <a:schemeClr val="phClr">
+                <a:tint val="98000"/>
+                <a:satMod val="130000"/>
+                <a:shade val="90000"/>
+                <a:lumMod val="103000"/>
+              </a:schemeClr>
+            </a:gs>
+            <a:gs pos="100000">
+              <a:schemeClr val="phClr">
+                <a:shade val="63000"/>
+                <a:satMod val="120000"/>
+              </a:schemeClr>
+            </a:gs>
+          </a:gsLst>
+          <a:lin ang="5400000" scaled="0"/>
+        </a:gradFill>
+      </a:bgFillStyleLst>
+    </a:fmtScheme>
+  </a:themeElements>
+  <a:objectDefaults/>
+  <a:extraClrSchemeLst/>
+  <a:extLst>
+    <a:ext uri="{05A4C25C-085E-4340-85A3-A5531E510DB2}">
+      <thm15:themeFamily xmlns:thm15="http://schemas.microsoft.com/office/thememl/2012/main" name="Office Theme" id="{62F939B6-93AF-4DB8-9C6B-D6C7DFDC589F}" vid="{4A3C46E8-61CC-4603-A589-7422A47A8E4A}"/>
+    </a:ext>
+  </a:extLst>
+</a:theme>
+</file>
+
+<file path=ppt/theme/themeOverride1.xml><?xml version="1.0" encoding="utf-8"?>
+<a:themeOverride xmlns:a="http://schemas.openxmlformats.org/drawingml/2006/main">
+  <a:clrScheme name="Office">
+    <a:dk1>
+      <a:sysClr val="windowText" lastClr="000000"/>
+    </a:dk1>
+    <a:lt1>
+      <a:sysClr val="window" lastClr="FFFFFF"/>
+    </a:lt1>
+    <a:dk2>
+      <a:srgbClr val="44546A"/>
+    </a:dk2>
+    <a:lt2>
+      <a:srgbClr val="E7E6E6"/>
+    </a:lt2>
+    <a:accent1>
+      <a:srgbClr val="5B9BD5"/>
+    </a:accent1>
+    <a:accent2>
+      <a:srgbClr val="ED7D31"/>
+    </a:accent2>
+    <a:accent3>
+      <a:srgbClr val="A5A5A5"/>
+    </a:accent3>
+    <a:accent4>
+      <a:srgbClr val="FFC000"/>
+    </a:accent4>
+    <a:accent5>
+      <a:srgbClr val="4472C4"/>
+    </a:accent5>
+    <a:accent6>
+      <a:srgbClr val="70AD47"/>
+    </a:accent6>
+    <a:hlink>
+      <a:srgbClr val="0563C1"/>
+    </a:hlink>
+    <a:folHlink>
+      <a:srgbClr val="954F72"/>
+    </a:folHlink>
+  </a:clrScheme>
+</a:themeOverride>
 </file>